--- a/06. Loops/6. Loops.pptx
+++ b/06. Loops/6. Loops.pptx
@@ -5,10 +5,10 @@
     <p:sldMasterId id="2147483660" r:id="rId2"/>
   </p:sldMasterIdLst>
   <p:notesMasterIdLst>
-    <p:notesMasterId r:id="rId61"/>
+    <p:notesMasterId r:id="rId62"/>
   </p:notesMasterIdLst>
   <p:handoutMasterIdLst>
-    <p:handoutMasterId r:id="rId62"/>
+    <p:handoutMasterId r:id="rId63"/>
   </p:handoutMasterIdLst>
   <p:sldIdLst>
     <p:sldId id="274" r:id="rId3"/>
@@ -68,7 +68,8 @@
     <p:sldId id="349" r:id="rId57"/>
     <p:sldId id="351" r:id="rId58"/>
     <p:sldId id="352" r:id="rId59"/>
-    <p:sldId id="393" r:id="rId60"/>
+    <p:sldId id="448" r:id="rId60"/>
+    <p:sldId id="393" r:id="rId61"/>
   </p:sldIdLst>
   <p:sldSz cx="12188825" cy="6858000"/>
   <p:notesSz cx="6858000" cy="9144000"/>
@@ -283,7 +284,7 @@
             <a:fld id="{FE5B4EDC-59C0-49C7-8ADA-5A781B329E02}" type="datetimeFigureOut">
               <a:rPr lang="en-US"/>
               <a:pPr/>
-              <a:t>14-05-2014</a:t>
+              <a:t>28-Nov-14</a:t>
             </a:fld>
             <a:endParaRPr dirty="0"/>
           </a:p>
@@ -482,7 +483,7 @@
             <a:fld id="{F2D8D46A-B586-417D-BFBD-8C8FE0AAF762}" type="datetimeFigureOut">
               <a:rPr lang="en-US" smtClean="0"/>
               <a:pPr/>
-              <a:t>14-05-2014</a:t>
+              <a:t>28-Nov-14</a:t>
             </a:fld>
             <a:endParaRPr lang="en-US"/>
           </a:p>
@@ -6515,6 +6516,69 @@
       </p:grpSpPr>
       <p:sp>
         <p:nvSpPr>
+          <p:cNvPr id="445442" name="Rectangle 2"/>
+          <p:cNvSpPr>
+            <a:spLocks noGrp="1" noRot="1" noChangeAspect="1" noChangeArrowheads="1" noTextEdit="1"/>
+          </p:cNvSpPr>
+          <p:nvPr>
+            <p:ph type="sldImg"/>
+          </p:nvPr>
+        </p:nvSpPr>
+        <p:spPr>
+          <a:ln/>
+        </p:spPr>
+      </p:sp>
+      <p:sp>
+        <p:nvSpPr>
+          <p:cNvPr id="445443" name="Rectangle 3"/>
+          <p:cNvSpPr>
+            <a:spLocks noGrp="1" noChangeArrowheads="1"/>
+          </p:cNvSpPr>
+          <p:nvPr>
+            <p:ph type="body" idx="1"/>
+          </p:nvPr>
+        </p:nvSpPr>
+        <p:spPr/>
+        <p:txBody>
+          <a:bodyPr/>
+          <a:lstStyle/>
+          <a:p>
+            <a:endParaRPr lang="bg-BG"/>
+          </a:p>
+        </p:txBody>
+      </p:sp>
+    </p:spTree>
+    <p:extLst>
+      <p:ext uri="{BB962C8B-B14F-4D97-AF65-F5344CB8AC3E}">
+        <p14:creationId xmlns:p14="http://schemas.microsoft.com/office/powerpoint/2010/main" val="3264497235"/>
+      </p:ext>
+    </p:extLst>
+  </p:cSld>
+  <p:clrMapOvr>
+    <a:masterClrMapping/>
+  </p:clrMapOvr>
+</p:notes>
+</file>
+
+<file path=ppt/notesSlides/notesSlide49.xml><?xml version="1.0" encoding="utf-8"?>
+<p:notes xmlns:a="http://schemas.openxmlformats.org/drawingml/2006/main" xmlns:r="http://schemas.openxmlformats.org/officeDocument/2006/relationships" xmlns:p="http://schemas.openxmlformats.org/presentationml/2006/main">
+  <p:cSld>
+    <p:spTree>
+      <p:nvGrpSpPr>
+        <p:cNvPr id="1" name=""/>
+        <p:cNvGrpSpPr/>
+        <p:nvPr/>
+      </p:nvGrpSpPr>
+      <p:grpSpPr>
+        <a:xfrm>
+          <a:off x="0" y="0"/>
+          <a:ext cx="0" cy="0"/>
+          <a:chOff x="0" y="0"/>
+          <a:chExt cx="0" cy="0"/>
+        </a:xfrm>
+      </p:grpSpPr>
+      <p:sp>
+        <p:nvSpPr>
           <p:cNvPr id="2" name="Slide Image Placeholder 1"/>
           <p:cNvSpPr>
             <a:spLocks noGrp="1" noRot="1" noChangeAspect="1"/>
@@ -6612,7 +6676,7 @@
             <a:fld id="{3EBA5BD7-F043-4D1B-AA17-CD412FC534DE}" type="slidenum">
               <a:rPr lang="en-US" smtClean="0"/>
               <a:pPr/>
-              <a:t>58</a:t>
+              <a:t>59</a:t>
             </a:fld>
             <a:endParaRPr lang="en-US" dirty="0"/>
           </a:p>
@@ -7910,7 +7974,7 @@
             <a:fld id="{055373AC-9AA7-423B-BA00-BA1C74164DBD}" type="datetime1">
               <a:rPr lang="en-US" smtClean="0"/>
               <a:pPr/>
-              <a:t>14-05-2014</a:t>
+              <a:t>28-Nov-14</a:t>
             </a:fld>
             <a:endParaRPr lang="en-US" dirty="0"/>
           </a:p>
@@ -9577,7 +9641,7 @@
             <a:fld id="{055373AC-9AA7-423B-BA00-BA1C74164DBD}" type="datetime1">
               <a:rPr lang="en-US" smtClean="0"/>
               <a:pPr/>
-              <a:t>14-05-2014</a:t>
+              <a:t>28-Nov-14</a:t>
             </a:fld>
             <a:endParaRPr lang="en-US" dirty="0"/>
           </a:p>
@@ -10214,143 +10278,10 @@
           </a:p>
         </p:txBody>
       </p:sp>
-      <p:sp>
-        <p:nvSpPr>
-          <p:cNvPr id="7" name="Text Placeholder 6"/>
-          <p:cNvSpPr>
-            <a:spLocks noGrp="1"/>
-          </p:cNvSpPr>
-          <p:nvPr>
-            <p:ph type="body" sz="quarter" idx="10"/>
-          </p:nvPr>
-        </p:nvSpPr>
-        <p:spPr/>
-        <p:txBody>
-          <a:bodyPr/>
-          <a:lstStyle/>
-          <a:p>
-            <a:r>
-              <a:rPr lang="en-US" dirty="0" smtClean="0"/>
-              <a:t>Svetlin Nakov</a:t>
-            </a:r>
-            <a:endParaRPr lang="en-US" dirty="0"/>
-          </a:p>
-        </p:txBody>
-      </p:sp>
-      <p:sp>
-        <p:nvSpPr>
-          <p:cNvPr id="8" name="Text Placeholder 7"/>
-          <p:cNvSpPr>
-            <a:spLocks noGrp="1"/>
-          </p:cNvSpPr>
-          <p:nvPr>
-            <p:ph type="body" sz="quarter" idx="13"/>
-          </p:nvPr>
-        </p:nvSpPr>
-        <p:spPr/>
-        <p:txBody>
-          <a:bodyPr/>
-          <a:lstStyle/>
-          <a:p>
-            <a:r>
-              <a:rPr lang="en-US" dirty="0"/>
-              <a:t>Technical </a:t>
-            </a:r>
-            <a:r>
-              <a:rPr lang="en-US" dirty="0" smtClean="0"/>
-              <a:t>Trainer</a:t>
-            </a:r>
-            <a:endParaRPr lang="en-US" dirty="0"/>
-          </a:p>
-        </p:txBody>
-      </p:sp>
-      <p:sp>
-        <p:nvSpPr>
-          <p:cNvPr id="9" name="Text Placeholder 8"/>
-          <p:cNvSpPr>
-            <a:spLocks noGrp="1"/>
-          </p:cNvSpPr>
-          <p:nvPr>
-            <p:ph type="body" sz="quarter" idx="14"/>
-          </p:nvPr>
-        </p:nvSpPr>
-        <p:spPr/>
-        <p:txBody>
-          <a:bodyPr/>
-          <a:lstStyle/>
-          <a:p>
-            <a:r>
-              <a:rPr lang="en-US" dirty="0" smtClean="0">
-                <a:hlinkClick r:id="rId3"/>
-              </a:rPr>
-              <a:t>www.nakov.com</a:t>
-            </a:r>
-            <a:endParaRPr lang="en-US" dirty="0"/>
-          </a:p>
-        </p:txBody>
-      </p:sp>
-      <p:sp>
-        <p:nvSpPr>
-          <p:cNvPr id="11" name="Text Placeholder 10"/>
-          <p:cNvSpPr>
-            <a:spLocks noGrp="1"/>
-          </p:cNvSpPr>
-          <p:nvPr>
-            <p:ph type="body" sz="quarter" idx="17"/>
-          </p:nvPr>
-        </p:nvSpPr>
-        <p:spPr/>
-        <p:txBody>
-          <a:bodyPr/>
-          <a:lstStyle/>
-          <a:p>
-            <a:r>
-              <a:rPr lang="en-US" dirty="0"/>
-              <a:t>Software </a:t>
-            </a:r>
-            <a:r>
-              <a:rPr lang="en-US" dirty="0" smtClean="0"/>
-              <a:t>University</a:t>
-            </a:r>
-            <a:endParaRPr lang="en-US" dirty="0"/>
-          </a:p>
-        </p:txBody>
-      </p:sp>
-      <p:sp>
-        <p:nvSpPr>
-          <p:cNvPr id="12" name="Text Placeholder 11"/>
-          <p:cNvSpPr>
-            <a:spLocks noGrp="1"/>
-          </p:cNvSpPr>
-          <p:nvPr>
-            <p:ph type="body" sz="quarter" idx="18"/>
-          </p:nvPr>
-        </p:nvSpPr>
-        <p:spPr/>
-        <p:txBody>
-          <a:bodyPr/>
-          <a:lstStyle/>
-          <a:p>
-            <a:r>
-              <a:rPr lang="en-US" dirty="0">
-                <a:hlinkClick r:id="rId4"/>
-              </a:rPr>
-              <a:t>http://</a:t>
-            </a:r>
-            <a:r>
-              <a:rPr lang="en-US" dirty="0" smtClean="0">
-                <a:hlinkClick r:id="rId4"/>
-              </a:rPr>
-              <a:t>softuni.bg</a:t>
-            </a:r>
-            <a:endParaRPr lang="en-US" dirty="0"/>
-          </a:p>
-        </p:txBody>
-      </p:sp>
       <p:pic>
         <p:nvPicPr>
           <p:cNvPr id="1028" name="Picture 4" title="CC-BY-NC-SA License">
-            <a:hlinkClick r:id="rId5" tooltip="This work is licensed under the &quot;Creative Commons Attribution-NonCommercial-ShareAlike 4.0 International&quot; license"/>
+            <a:hlinkClick r:id="rId3" tooltip="This work is licensed under the &quot;Creative Commons Attribution-NonCommercial-ShareAlike 4.0 International&quot; license"/>
           </p:cNvPr>
           <p:cNvPicPr>
             <a:picLocks noChangeAspect="1" noChangeArrowheads="1"/>
@@ -10358,7 +10289,7 @@
           <p:nvPr/>
         </p:nvPicPr>
         <p:blipFill>
-          <a:blip r:embed="rId6">
+          <a:blip r:embed="rId4">
             <a:extLst>
               <a:ext uri="{28A0092B-C50C-407E-A947-70E740481C1C}">
                 <a14:useLocalDpi xmlns:a14="http://schemas.microsoft.com/office/drawing/2010/main"/>
@@ -10399,7 +10330,7 @@
       <p:pic>
         <p:nvPicPr>
           <p:cNvPr id="14" name="Picture 2" title="Software University Foundation">
-            <a:hlinkClick r:id="rId7" tooltip="Software University Foundation"/>
+            <a:hlinkClick r:id="rId5" tooltip="Software University Foundation"/>
           </p:cNvPr>
           <p:cNvPicPr>
             <a:picLocks noChangeAspect="1" noChangeArrowheads="1"/>
@@ -10407,7 +10338,7 @@
           <p:nvPr/>
         </p:nvPicPr>
         <p:blipFill rotWithShape="1">
-          <a:blip r:embed="rId8" cstate="print">
+          <a:blip r:embed="rId6" cstate="print">
             <a:extLst>
               <a:ext uri="{28A0092B-C50C-407E-A947-70E740481C1C}">
                 <a14:useLocalDpi xmlns:a14="http://schemas.microsoft.com/office/drawing/2010/main"/>
@@ -10445,7 +10376,7 @@
       <p:pic>
         <p:nvPicPr>
           <p:cNvPr id="13" name="Picture 4" descr="spiral - &amp;#x22;The Coasters&amp;#x22;, fractal art">
-            <a:hlinkClick r:id="rId9" tooltip="spiral - &quot;The Coasters&quot;, fractal art | Edward Kinnally "/>
+            <a:hlinkClick r:id="rId7" tooltip="spiral - &quot;The Coasters&quot;, fractal art | Edward Kinnally "/>
           </p:cNvPr>
           <p:cNvPicPr>
             <a:picLocks noGrp="1" noChangeAspect="1" noChangeArrowheads="1"/>
@@ -10455,7 +10386,7 @@
           </p:nvPr>
         </p:nvPicPr>
         <p:blipFill>
-          <a:blip r:embed="rId10" cstate="screen"/>
+          <a:blip r:embed="rId8" cstate="screen"/>
           <a:srcRect t="25143" b="25143"/>
           <a:stretch>
             <a:fillRect/>
@@ -10483,7 +10414,7 @@
           <p:nvPr/>
         </p:nvPicPr>
         <p:blipFill>
-          <a:blip r:embed="rId11"/>
+          <a:blip r:embed="rId9"/>
           <a:stretch>
             <a:fillRect/>
           </a:stretch>
@@ -10507,7 +10438,7 @@
           <p:nvPr/>
         </p:nvPicPr>
         <p:blipFill>
-          <a:blip r:embed="rId12"/>
+          <a:blip r:embed="rId10"/>
           <a:stretch>
             <a:fillRect/>
           </a:stretch>
@@ -10522,6 +10453,134 @@
           </a:prstGeom>
         </p:spPr>
       </p:pic>
+      <p:sp>
+        <p:nvSpPr>
+          <p:cNvPr id="28" name="Text Placeholder 6"/>
+          <p:cNvSpPr>
+            <a:spLocks noGrp="1"/>
+          </p:cNvSpPr>
+          <p:nvPr>
+            <p:ph type="body" sz="quarter" idx="10"/>
+          </p:nvPr>
+        </p:nvSpPr>
+        <p:spPr>
+          <a:xfrm>
+            <a:off x="821982" y="4164083"/>
+            <a:ext cx="3126043" cy="525135"/>
+          </a:xfrm>
+        </p:spPr>
+        <p:txBody>
+          <a:bodyPr/>
+          <a:lstStyle/>
+          <a:p>
+            <a:r>
+              <a:rPr lang="en-US" noProof="1" smtClean="0"/>
+              <a:t>SoftUni Team</a:t>
+            </a:r>
+            <a:endParaRPr lang="en-US" noProof="1"/>
+          </a:p>
+        </p:txBody>
+      </p:sp>
+      <p:sp>
+        <p:nvSpPr>
+          <p:cNvPr id="29" name="Text Placeholder 7"/>
+          <p:cNvSpPr>
+            <a:spLocks noGrp="1"/>
+          </p:cNvSpPr>
+          <p:nvPr>
+            <p:ph type="body" sz="quarter" idx="13"/>
+          </p:nvPr>
+        </p:nvSpPr>
+        <p:spPr>
+          <a:xfrm>
+            <a:off x="821983" y="4633982"/>
+            <a:ext cx="3126044" cy="444343"/>
+          </a:xfrm>
+        </p:spPr>
+        <p:txBody>
+          <a:bodyPr/>
+          <a:lstStyle/>
+          <a:p>
+            <a:r>
+              <a:rPr lang="en-US" dirty="0"/>
+              <a:t>Technical </a:t>
+            </a:r>
+            <a:r>
+              <a:rPr lang="en-US" dirty="0" smtClean="0"/>
+              <a:t>Trainers</a:t>
+            </a:r>
+            <a:endParaRPr lang="en-US" dirty="0"/>
+          </a:p>
+        </p:txBody>
+      </p:sp>
+      <p:sp>
+        <p:nvSpPr>
+          <p:cNvPr id="30" name="Text Placeholder 10"/>
+          <p:cNvSpPr>
+            <a:spLocks noGrp="1"/>
+          </p:cNvSpPr>
+          <p:nvPr>
+            <p:ph type="body" sz="quarter" idx="17"/>
+          </p:nvPr>
+        </p:nvSpPr>
+        <p:spPr>
+          <a:xfrm>
+            <a:off x="821982" y="5039109"/>
+            <a:ext cx="3126043" cy="382788"/>
+          </a:xfrm>
+        </p:spPr>
+        <p:txBody>
+          <a:bodyPr/>
+          <a:lstStyle/>
+          <a:p>
+            <a:r>
+              <a:rPr lang="en-US" sz="2000" dirty="0"/>
+              <a:t>Software </a:t>
+            </a:r>
+            <a:r>
+              <a:rPr lang="en-US" sz="2000" dirty="0" smtClean="0"/>
+              <a:t>University</a:t>
+            </a:r>
+            <a:endParaRPr lang="en-US" sz="2000" dirty="0"/>
+          </a:p>
+        </p:txBody>
+      </p:sp>
+      <p:sp>
+        <p:nvSpPr>
+          <p:cNvPr id="31" name="Text Placeholder 11"/>
+          <p:cNvSpPr>
+            <a:spLocks noGrp="1"/>
+          </p:cNvSpPr>
+          <p:nvPr>
+            <p:ph type="body" sz="quarter" idx="18"/>
+          </p:nvPr>
+        </p:nvSpPr>
+        <p:spPr>
+          <a:xfrm>
+            <a:off x="821982" y="5379630"/>
+            <a:ext cx="3126043" cy="351754"/>
+          </a:xfrm>
+        </p:spPr>
+        <p:txBody>
+          <a:bodyPr/>
+          <a:lstStyle/>
+          <a:p>
+            <a:r>
+              <a:rPr lang="en-US" sz="1800" dirty="0">
+                <a:hlinkClick r:id="rId11"/>
+              </a:rPr>
+              <a:t>http://</a:t>
+            </a:r>
+            <a:r>
+              <a:rPr lang="en-US" sz="1800" dirty="0" smtClean="0">
+                <a:hlinkClick r:id="rId11"/>
+              </a:rPr>
+              <a:t>softuni.bg</a:t>
+            </a:r>
+            <a:endParaRPr lang="en-US" sz="1800" dirty="0"/>
+          </a:p>
+        </p:txBody>
+      </p:sp>
     </p:spTree>
     <p:extLst>
       <p:ext uri="{BB962C8B-B14F-4D97-AF65-F5344CB8AC3E}">
@@ -10835,7 +10894,7 @@
             <a:r>
               <a:rPr lang="en-US" b="1" noProof="1">
                 <a:solidFill>
-                  <a:srgbClr val="8CF4F2"/>
+                  <a:schemeClr val="tx2"/>
                 </a:solidFill>
                 <a:effectLst>
                   <a:outerShdw blurRad="38100" dist="38100" dir="2700000" algn="tl">
@@ -10863,7 +10922,7 @@
             <a:r>
               <a:rPr lang="en-US" b="1" noProof="1" smtClean="0">
                 <a:solidFill>
-                  <a:srgbClr val="8CF4F2"/>
+                  <a:schemeClr val="tx2"/>
                 </a:solidFill>
                 <a:effectLst>
                   <a:outerShdw blurRad="38100" dist="38100" dir="2700000" algn="tl">
@@ -10880,7 +10939,7 @@
             <a:r>
               <a:rPr lang="en-US" b="1" noProof="1">
                 <a:solidFill>
-                  <a:srgbClr val="8CF4F2"/>
+                  <a:schemeClr val="tx2"/>
                 </a:solidFill>
                 <a:effectLst>
                   <a:outerShdw blurRad="38100" dist="38100" dir="2700000" algn="tl">
@@ -10897,7 +10956,7 @@
             <a:r>
               <a:rPr lang="en-US" b="1" noProof="1" smtClean="0">
                 <a:solidFill>
-                  <a:srgbClr val="8CF4F2"/>
+                  <a:schemeClr val="tx2"/>
                 </a:solidFill>
                 <a:effectLst>
                   <a:outerShdw blurRad="38100" dist="38100" dir="2700000" algn="tl">
@@ -10914,7 +10973,7 @@
             <a:r>
               <a:rPr lang="en-US" b="1" noProof="1">
                 <a:solidFill>
-                  <a:srgbClr val="8CF4F2"/>
+                  <a:schemeClr val="tx2"/>
                 </a:solidFill>
                 <a:effectLst>
                   <a:outerShdw blurRad="38100" dist="38100" dir="2700000" algn="tl">
@@ -10931,7 +10990,7 @@
             <a:r>
               <a:rPr lang="en-US" b="1" noProof="1" smtClean="0">
                 <a:solidFill>
-                  <a:srgbClr val="8CF4F2"/>
+                  <a:schemeClr val="tx2"/>
                 </a:solidFill>
                 <a:effectLst>
                   <a:outerShdw blurRad="38100" dist="38100" dir="2700000" algn="tl">
@@ -10947,7 +11006,7 @@
             </a:r>
             <a:endParaRPr lang="en-US" b="1" noProof="1">
               <a:solidFill>
-                <a:srgbClr val="8CF4F2"/>
+                <a:schemeClr val="tx2"/>
               </a:solidFill>
               <a:effectLst>
                 <a:outerShdw blurRad="38100" dist="38100" dir="2700000" algn="tl">
@@ -10973,7 +11032,7 @@
             <a:r>
               <a:rPr lang="en-US" b="1" noProof="1">
                 <a:solidFill>
-                  <a:srgbClr val="8CF4F2"/>
+                  <a:schemeClr val="tx2"/>
                 </a:solidFill>
                 <a:effectLst>
                   <a:outerShdw blurRad="38100" dist="38100" dir="2700000" algn="tl">
@@ -11001,7 +11060,7 @@
             <a:r>
               <a:rPr lang="en-US" b="1" noProof="1">
                 <a:solidFill>
-                  <a:srgbClr val="8CF4F2"/>
+                  <a:schemeClr val="tx2"/>
                 </a:solidFill>
                 <a:effectLst>
                   <a:outerShdw blurRad="38100" dist="38100" dir="2700000" algn="tl">
@@ -11029,7 +11088,7 @@
             <a:r>
               <a:rPr lang="en-US" b="1" noProof="1">
                 <a:solidFill>
-                  <a:srgbClr val="8CF4F2"/>
+                  <a:schemeClr val="tx2"/>
                 </a:solidFill>
                 <a:effectLst>
                   <a:outerShdw blurRad="38100" dist="38100" dir="2700000" algn="tl">
@@ -11057,7 +11116,7 @@
             <a:r>
               <a:rPr lang="en-US" b="1" noProof="1">
                 <a:solidFill>
-                  <a:srgbClr val="8CF4F2"/>
+                  <a:schemeClr val="tx2"/>
                 </a:solidFill>
                 <a:effectLst>
                   <a:outerShdw blurRad="38100" dist="38100" dir="2700000" algn="tl">
@@ -11085,7 +11144,7 @@
             <a:r>
               <a:rPr lang="en-US" b="1" noProof="1">
                 <a:solidFill>
-                  <a:srgbClr val="8CF4F2"/>
+                  <a:schemeClr val="tx2"/>
                 </a:solidFill>
                 <a:effectLst>
                   <a:outerShdw blurRad="38100" dist="38100" dir="2700000" algn="tl">
@@ -11113,7 +11172,7 @@
             <a:r>
               <a:rPr lang="en-US" b="1" noProof="1">
                 <a:solidFill>
-                  <a:srgbClr val="8CF4F2"/>
+                  <a:schemeClr val="tx2"/>
                 </a:solidFill>
                 <a:effectLst>
                   <a:outerShdw blurRad="38100" dist="38100" dir="2700000" algn="tl">
@@ -11141,7 +11200,7 @@
             <a:r>
               <a:rPr lang="en-US" b="1" noProof="1">
                 <a:solidFill>
-                  <a:srgbClr val="8CF4F2"/>
+                  <a:schemeClr val="tx2"/>
                 </a:solidFill>
                 <a:effectLst>
                   <a:outerShdw blurRad="38100" dist="38100" dir="2700000" algn="tl">
@@ -11169,7 +11228,7 @@
             <a:r>
               <a:rPr lang="en-US" b="1" noProof="1">
                 <a:solidFill>
-                  <a:srgbClr val="8CF4F2"/>
+                  <a:schemeClr val="tx2"/>
                 </a:solidFill>
                 <a:effectLst>
                   <a:outerShdw blurRad="38100" dist="38100" dir="2700000" algn="tl">
@@ -11197,7 +11256,7 @@
             <a:r>
               <a:rPr lang="en-US" b="1" noProof="1">
                 <a:solidFill>
-                  <a:srgbClr val="8CF4F2"/>
+                  <a:schemeClr val="tx2"/>
                 </a:solidFill>
                 <a:effectLst>
                   <a:outerShdw blurRad="38100" dist="38100" dir="2700000" algn="tl">
@@ -11225,7 +11284,7 @@
             <a:r>
               <a:rPr lang="en-US" b="1" noProof="1">
                 <a:solidFill>
-                  <a:srgbClr val="8CF4F2"/>
+                  <a:schemeClr val="tx2"/>
                 </a:solidFill>
                 <a:effectLst>
                   <a:outerShdw blurRad="38100" dist="38100" dir="2700000" algn="tl">
@@ -11253,7 +11312,7 @@
             <a:r>
               <a:rPr lang="en-US" b="1" noProof="1">
                 <a:solidFill>
-                  <a:srgbClr val="8CF4F2"/>
+                  <a:schemeClr val="tx2"/>
                 </a:solidFill>
                 <a:effectLst>
                   <a:outerShdw blurRad="38100" dist="38100" dir="2700000" algn="tl">
@@ -11281,7 +11340,7 @@
             <a:r>
               <a:rPr lang="en-US" b="1" noProof="1">
                 <a:solidFill>
-                  <a:srgbClr val="8CF4F2"/>
+                  <a:schemeClr val="tx2"/>
                 </a:solidFill>
                 <a:effectLst>
                   <a:outerShdw blurRad="38100" dist="38100" dir="2700000" algn="tl">
@@ -11765,7 +11824,7 @@
             <a:r>
               <a:rPr lang="en-US" sz="2100" b="1" noProof="1">
                 <a:solidFill>
-                  <a:srgbClr val="8CF4F2"/>
+                  <a:schemeClr val="tx2"/>
                 </a:solidFill>
                 <a:effectLst>
                   <a:outerShdw blurRad="38100" dist="38100" dir="2700000" algn="tl">
@@ -11793,7 +11852,7 @@
             <a:r>
               <a:rPr lang="en-US" sz="2100" b="1" noProof="1">
                 <a:solidFill>
-                  <a:srgbClr val="8CF4F2"/>
+                  <a:schemeClr val="tx2"/>
                 </a:solidFill>
                 <a:effectLst>
                   <a:outerShdw blurRad="38100" dist="38100" dir="2700000" algn="tl">
@@ -11821,7 +11880,7 @@
             <a:r>
               <a:rPr lang="en-US" sz="2100" b="1" noProof="1">
                 <a:solidFill>
-                  <a:srgbClr val="8CF4F2"/>
+                  <a:schemeClr val="tx2"/>
                 </a:solidFill>
                 <a:effectLst>
                   <a:outerShdw blurRad="38100" dist="38100" dir="2700000" algn="tl">
@@ -11849,7 +11908,7 @@
             <a:r>
               <a:rPr lang="en-US" sz="2100" b="1" noProof="1">
                 <a:solidFill>
-                  <a:srgbClr val="8CF4F2"/>
+                  <a:schemeClr val="tx2"/>
                 </a:solidFill>
                 <a:effectLst>
                   <a:outerShdw blurRad="38100" dist="38100" dir="2700000" algn="tl">
@@ -11877,7 +11936,7 @@
             <a:r>
               <a:rPr lang="en-US" sz="2100" b="1" noProof="1">
                 <a:solidFill>
-                  <a:srgbClr val="8CF4F2"/>
+                  <a:schemeClr val="tx2"/>
                 </a:solidFill>
                 <a:effectLst>
                   <a:outerShdw blurRad="38100" dist="38100" dir="2700000" algn="tl">
@@ -11905,7 +11964,7 @@
             <a:r>
               <a:rPr lang="en-US" sz="2100" b="1" noProof="1">
                 <a:solidFill>
-                  <a:srgbClr val="8CF4F2"/>
+                  <a:schemeClr val="tx2"/>
                 </a:solidFill>
                 <a:effectLst>
                   <a:outerShdw blurRad="38100" dist="38100" dir="2700000" algn="tl">
@@ -11933,7 +11992,7 @@
             <a:r>
               <a:rPr lang="en-US" sz="2100" b="1" noProof="1">
                 <a:solidFill>
-                  <a:srgbClr val="8CF4F2"/>
+                  <a:schemeClr val="tx2"/>
                 </a:solidFill>
                 <a:effectLst>
                   <a:outerShdw blurRad="38100" dist="38100" dir="2700000" algn="tl">
@@ -11961,7 +12020,7 @@
             <a:r>
               <a:rPr lang="en-US" sz="2100" b="1" noProof="1">
                 <a:solidFill>
-                  <a:srgbClr val="8CF4F2"/>
+                  <a:schemeClr val="tx2"/>
                 </a:solidFill>
                 <a:effectLst>
                   <a:outerShdw blurRad="38100" dist="38100" dir="2700000" algn="tl">
@@ -11989,7 +12048,7 @@
             <a:r>
               <a:rPr lang="en-US" sz="2100" b="1" noProof="1">
                 <a:solidFill>
-                  <a:srgbClr val="8CF4F2"/>
+                  <a:schemeClr val="tx2"/>
                 </a:solidFill>
                 <a:effectLst>
                   <a:outerShdw blurRad="38100" dist="38100" dir="2700000" algn="tl">
@@ -12017,7 +12076,7 @@
             <a:r>
               <a:rPr lang="en-US" sz="2100" b="1" noProof="1">
                 <a:solidFill>
-                  <a:srgbClr val="8CF4F2"/>
+                  <a:schemeClr val="tx2"/>
                 </a:solidFill>
                 <a:effectLst>
                   <a:outerShdw blurRad="38100" dist="38100" dir="2700000" algn="tl">
@@ -12045,7 +12104,7 @@
             <a:r>
               <a:rPr lang="en-US" sz="2100" b="1" noProof="1">
                 <a:solidFill>
-                  <a:srgbClr val="8CF4F2"/>
+                  <a:schemeClr val="tx2"/>
                 </a:solidFill>
                 <a:effectLst>
                   <a:outerShdw blurRad="38100" dist="38100" dir="2700000" algn="tl">
@@ -12073,7 +12132,7 @@
             <a:r>
               <a:rPr lang="en-US" sz="2100" b="1" noProof="1">
                 <a:solidFill>
-                  <a:srgbClr val="8CF4F2"/>
+                  <a:schemeClr val="tx2"/>
                 </a:solidFill>
                 <a:effectLst>
                   <a:outerShdw blurRad="38100" dist="38100" dir="2700000" algn="tl">
@@ -12101,7 +12160,7 @@
             <a:r>
               <a:rPr lang="en-US" sz="2100" b="1" noProof="1">
                 <a:solidFill>
-                  <a:srgbClr val="8CF4F2"/>
+                  <a:schemeClr val="tx2"/>
                 </a:solidFill>
                 <a:effectLst>
                   <a:outerShdw blurRad="38100" dist="38100" dir="2700000" algn="tl">
@@ -12129,7 +12188,7 @@
             <a:r>
               <a:rPr lang="en-US" sz="2100" b="1" noProof="1">
                 <a:solidFill>
-                  <a:srgbClr val="8CF4F2"/>
+                  <a:schemeClr val="tx2"/>
                 </a:solidFill>
                 <a:effectLst>
                   <a:outerShdw blurRad="38100" dist="38100" dir="2700000" algn="tl">
@@ -12966,7 +13025,7 @@
             <a:r>
               <a:rPr lang="en-US" sz="2800" b="1" noProof="1">
                 <a:solidFill>
-                  <a:srgbClr val="8CF4F2"/>
+                  <a:schemeClr val="tx2"/>
                 </a:solidFill>
                 <a:effectLst>
                   <a:outerShdw blurRad="38100" dist="38100" dir="2700000" algn="tl">
@@ -12994,7 +13053,7 @@
             <a:r>
               <a:rPr lang="en-US" sz="2800" b="1" noProof="1">
                 <a:solidFill>
-                  <a:srgbClr val="8CF4F2"/>
+                  <a:schemeClr val="tx2"/>
                 </a:solidFill>
                 <a:effectLst>
                   <a:outerShdw blurRad="38100" dist="38100" dir="2700000" algn="tl">
@@ -13022,7 +13081,7 @@
             <a:r>
               <a:rPr lang="en-US" sz="2800" b="1" noProof="1">
                 <a:solidFill>
-                  <a:srgbClr val="8CF4F2"/>
+                  <a:schemeClr val="tx2"/>
                 </a:solidFill>
                 <a:effectLst>
                   <a:outerShdw blurRad="38100" dist="38100" dir="2700000" algn="tl">
@@ -13050,7 +13109,7 @@
             <a:r>
               <a:rPr lang="en-US" sz="2800" b="1" noProof="1">
                 <a:solidFill>
-                  <a:srgbClr val="8CF4F2"/>
+                  <a:schemeClr val="tx2"/>
                 </a:solidFill>
                 <a:effectLst>
                   <a:outerShdw blurRad="38100" dist="38100" dir="2700000" algn="tl">
@@ -13078,7 +13137,7 @@
             <a:r>
               <a:rPr lang="en-US" sz="2800" b="1" noProof="1">
                 <a:solidFill>
-                  <a:srgbClr val="8CF4F2"/>
+                  <a:schemeClr val="tx2"/>
                 </a:solidFill>
                 <a:effectLst>
                   <a:outerShdw blurRad="38100" dist="38100" dir="2700000" algn="tl">
@@ -14201,7 +14260,7 @@
             <a:r>
               <a:rPr lang="en-US" b="1" noProof="1">
                 <a:solidFill>
-                  <a:srgbClr val="8CF4F2"/>
+                  <a:schemeClr val="tx2"/>
                 </a:solidFill>
                 <a:effectLst>
                   <a:outerShdw blurRad="38100" dist="38100" dir="2700000" algn="tl">
@@ -14229,7 +14288,7 @@
             <a:r>
               <a:rPr lang="en-US" b="1" noProof="1">
                 <a:solidFill>
-                  <a:srgbClr val="8CF4F2"/>
+                  <a:schemeClr val="tx2"/>
                 </a:solidFill>
                 <a:effectLst>
                   <a:outerShdw blurRad="38100" dist="38100" dir="2700000" algn="tl">
@@ -14257,7 +14316,7 @@
             <a:r>
               <a:rPr lang="en-US" b="1" noProof="1">
                 <a:solidFill>
-                  <a:srgbClr val="8CF4F2"/>
+                  <a:schemeClr val="tx2"/>
                 </a:solidFill>
                 <a:effectLst>
                   <a:outerShdw blurRad="38100" dist="38100" dir="2700000" algn="tl">
@@ -14285,7 +14344,7 @@
             <a:r>
               <a:rPr lang="en-US" b="1" noProof="1">
                 <a:solidFill>
-                  <a:srgbClr val="8CF4F2"/>
+                  <a:schemeClr val="tx2"/>
                 </a:solidFill>
                 <a:effectLst>
                   <a:outerShdw blurRad="38100" dist="38100" dir="2700000" algn="tl">
@@ -14313,7 +14372,7 @@
             <a:r>
               <a:rPr lang="en-US" b="1" noProof="1">
                 <a:solidFill>
-                  <a:srgbClr val="8CF4F2"/>
+                  <a:schemeClr val="tx2"/>
                 </a:solidFill>
                 <a:effectLst>
                   <a:outerShdw blurRad="38100" dist="38100" dir="2700000" algn="tl">
@@ -14330,7 +14389,7 @@
             <a:r>
               <a:rPr lang="en-US" b="1" noProof="1" smtClean="0">
                 <a:solidFill>
-                  <a:srgbClr val="8CF4F2"/>
+                  <a:schemeClr val="tx2"/>
                 </a:solidFill>
                 <a:effectLst>
                   <a:outerShdw blurRad="38100" dist="38100" dir="2700000" algn="tl">
@@ -14347,7 +14406,7 @@
             <a:r>
               <a:rPr lang="en-US" b="1" noProof="1">
                 <a:solidFill>
-                  <a:srgbClr val="8CF4F2"/>
+                  <a:schemeClr val="tx2"/>
                 </a:solidFill>
                 <a:effectLst>
                   <a:outerShdw blurRad="38100" dist="38100" dir="2700000" algn="tl">
@@ -14378,7 +14437,7 @@
             <a:r>
               <a:rPr lang="en-US" b="1" noProof="1" smtClean="0">
                 <a:solidFill>
-                  <a:srgbClr val="8CF4F2"/>
+                  <a:schemeClr val="tx2"/>
                 </a:solidFill>
                 <a:effectLst>
                   <a:outerShdw blurRad="38100" dist="38100" dir="2700000" algn="tl">
@@ -14395,7 +14454,7 @@
             <a:r>
               <a:rPr lang="en-US" b="1" noProof="1">
                 <a:solidFill>
-                  <a:srgbClr val="8CF4F2"/>
+                  <a:schemeClr val="tx2"/>
                 </a:solidFill>
                 <a:effectLst>
                   <a:outerShdw blurRad="38100" dist="38100" dir="2700000" algn="tl">
@@ -14423,7 +14482,7 @@
             <a:r>
               <a:rPr lang="en-US" b="1" noProof="1">
                 <a:solidFill>
-                  <a:srgbClr val="8CF4F2"/>
+                  <a:schemeClr val="tx2"/>
                 </a:solidFill>
                 <a:effectLst>
                   <a:outerShdw blurRad="38100" dist="38100" dir="2700000" algn="tl">
@@ -14451,7 +14510,7 @@
             <a:r>
               <a:rPr lang="en-US" b="1" noProof="1">
                 <a:solidFill>
-                  <a:srgbClr val="8CF4F2"/>
+                  <a:schemeClr val="tx2"/>
                 </a:solidFill>
                 <a:effectLst>
                   <a:outerShdw blurRad="38100" dist="38100" dir="2700000" algn="tl">
@@ -14479,7 +14538,7 @@
             <a:r>
               <a:rPr lang="en-US" b="1" noProof="1">
                 <a:solidFill>
-                  <a:srgbClr val="8CF4F2"/>
+                  <a:schemeClr val="tx2"/>
                 </a:solidFill>
                 <a:effectLst>
                   <a:outerShdw blurRad="38100" dist="38100" dir="2700000" algn="tl">
@@ -14507,7 +14566,7 @@
             <a:r>
               <a:rPr lang="en-US" b="1" noProof="1">
                 <a:solidFill>
-                  <a:srgbClr val="8CF4F2"/>
+                  <a:schemeClr val="tx2"/>
                 </a:solidFill>
                 <a:effectLst>
                   <a:outerShdw blurRad="38100" dist="38100" dir="2700000" algn="tl">
@@ -14535,7 +14594,7 @@
             <a:r>
               <a:rPr lang="en-US" b="1" noProof="1">
                 <a:solidFill>
-                  <a:srgbClr val="8CF4F2"/>
+                  <a:schemeClr val="tx2"/>
                 </a:solidFill>
                 <a:effectLst>
                   <a:outerShdw blurRad="38100" dist="38100" dir="2700000" algn="tl">
@@ -14552,7 +14611,7 @@
             <a:r>
               <a:rPr lang="en-US" b="1" noProof="1" smtClean="0">
                 <a:solidFill>
-                  <a:srgbClr val="8CF4F2"/>
+                  <a:schemeClr val="tx2"/>
                 </a:solidFill>
                 <a:effectLst>
                   <a:outerShdw blurRad="38100" dist="38100" dir="2700000" algn="tl">
@@ -14568,7 +14627,7 @@
             </a:r>
             <a:endParaRPr lang="en-US" b="1" noProof="1">
               <a:solidFill>
-                <a:srgbClr val="8CF4F2"/>
+                <a:schemeClr val="tx2"/>
               </a:solidFill>
               <a:effectLst>
                 <a:outerShdw blurRad="38100" dist="38100" dir="2700000" algn="tl">
@@ -14597,7 +14656,7 @@
             <a:r>
               <a:rPr lang="en-US" b="1" noProof="1">
                 <a:solidFill>
-                  <a:srgbClr val="8CF4F2"/>
+                  <a:schemeClr val="tx2"/>
                 </a:solidFill>
                 <a:effectLst>
                   <a:outerShdw blurRad="38100" dist="38100" dir="2700000" algn="tl">
@@ -14625,7 +14684,7 @@
             <a:r>
               <a:rPr lang="en-US" b="1" noProof="1">
                 <a:solidFill>
-                  <a:srgbClr val="8CF4F2"/>
+                  <a:schemeClr val="tx2"/>
                 </a:solidFill>
                 <a:effectLst>
                   <a:outerShdw blurRad="38100" dist="38100" dir="2700000" algn="tl">
@@ -15308,7 +15367,9 @@
             <a:r>
               <a:rPr lang="en-US" sz="2200" b="1" noProof="1">
                 <a:solidFill>
-                  <a:srgbClr val="FFFF66"/>
+                  <a:schemeClr val="tx2">
+                    <a:lumMod val="75000"/>
+                  </a:schemeClr>
                 </a:solidFill>
                 <a:effectLst>
                   <a:outerShdw blurRad="38100" dist="38100" dir="2700000" algn="tl">
@@ -15325,7 +15386,9 @@
             <a:r>
               <a:rPr lang="en-US" sz="2200" b="1" noProof="1" smtClean="0">
                 <a:solidFill>
-                  <a:srgbClr val="FFFF66"/>
+                  <a:schemeClr val="tx2">
+                    <a:lumMod val="75000"/>
+                  </a:schemeClr>
                 </a:solidFill>
                 <a:effectLst>
                   <a:outerShdw blurRad="38100" dist="38100" dir="2700000" algn="tl">
@@ -15352,10 +15415,7 @@
             </a:pPr>
             <a:endParaRPr lang="en-US" sz="2200" b="1" noProof="1">
               <a:solidFill>
-                <a:schemeClr val="tx1">
-                  <a:lumMod val="20000"/>
-                  <a:lumOff val="80000"/>
-                </a:schemeClr>
+                <a:schemeClr val="tx2"/>
               </a:solidFill>
               <a:effectLst>
                 <a:outerShdw blurRad="38100" dist="38100" dir="2700000" algn="tl">
@@ -15381,7 +15441,7 @@
             <a:r>
               <a:rPr lang="en-US" sz="2200" b="1" noProof="1">
                 <a:solidFill>
-                  <a:srgbClr val="8CF4F2"/>
+                  <a:schemeClr val="tx2"/>
                 </a:solidFill>
                 <a:effectLst>
                   <a:outerShdw blurRad="38100" dist="38100" dir="2700000" algn="tl">
@@ -15409,7 +15469,7 @@
             <a:r>
               <a:rPr lang="en-US" sz="2200" b="1" noProof="1">
                 <a:solidFill>
-                  <a:srgbClr val="8CF4F2"/>
+                  <a:schemeClr val="tx2"/>
                 </a:solidFill>
                 <a:effectLst>
                   <a:outerShdw blurRad="38100" dist="38100" dir="2700000" algn="tl">
@@ -15437,7 +15497,7 @@
             <a:r>
               <a:rPr lang="en-US" sz="2200" b="1" noProof="1">
                 <a:solidFill>
-                  <a:srgbClr val="8CF4F2"/>
+                  <a:schemeClr val="tx2"/>
                 </a:solidFill>
                 <a:effectLst>
                   <a:outerShdw blurRad="38100" dist="38100" dir="2700000" algn="tl">
@@ -15465,7 +15525,7 @@
             <a:r>
               <a:rPr lang="bg-BG" sz="2200" b="1" noProof="1">
                 <a:solidFill>
-                  <a:srgbClr val="8CF4F2"/>
+                  <a:schemeClr val="tx2"/>
                 </a:solidFill>
                 <a:effectLst>
                   <a:outerShdw blurRad="38100" dist="38100" dir="2700000" algn="tl">
@@ -15482,7 +15542,9 @@
             <a:r>
               <a:rPr lang="en-US" sz="2200" b="1" noProof="1">
                 <a:solidFill>
-                  <a:srgbClr val="FFFF66"/>
+                  <a:schemeClr val="tx2">
+                    <a:lumMod val="75000"/>
+                  </a:schemeClr>
                 </a:solidFill>
                 <a:effectLst>
                   <a:outerShdw blurRad="38100" dist="38100" dir="2700000" algn="tl">
@@ -15499,7 +15561,7 @@
             <a:r>
               <a:rPr lang="en-US" sz="2200" b="1" noProof="1">
                 <a:solidFill>
-                  <a:srgbClr val="FFFF00"/>
+                  <a:schemeClr val="tx2"/>
                 </a:solidFill>
                 <a:effectLst>
                   <a:outerShdw blurRad="38100" dist="38100" dir="2700000" algn="tl">
@@ -15511,24 +15573,7 @@
                 <a:latin typeface="Consolas" pitchFamily="49" charset="0"/>
                 <a:cs typeface="Consolas" pitchFamily="49" charset="0"/>
               </a:rPr>
-              <a:t> </a:t>
-            </a:r>
-            <a:r>
-              <a:rPr lang="en-US" sz="2200" b="1" noProof="1">
-                <a:solidFill>
-                  <a:srgbClr val="8CF4F2"/>
-                </a:solidFill>
-                <a:effectLst>
-                  <a:outerShdw blurRad="38100" dist="38100" dir="2700000" algn="tl">
-                    <a:srgbClr val="000000">
-                      <a:alpha val="43137"/>
-                    </a:srgbClr>
-                  </a:outerShdw>
-                </a:effectLst>
-                <a:latin typeface="Consolas" pitchFamily="49" charset="0"/>
-                <a:cs typeface="Consolas" pitchFamily="49" charset="0"/>
-              </a:rPr>
-              <a:t>factorial = 1;</a:t>
+              <a:t> factorial = 1;</a:t>
             </a:r>
           </a:p>
           <a:p>
@@ -15544,7 +15589,7 @@
             <a:r>
               <a:rPr lang="en-US" sz="2200" b="1" noProof="1">
                 <a:solidFill>
-                  <a:srgbClr val="8CF4F2"/>
+                  <a:schemeClr val="tx2"/>
                 </a:solidFill>
                 <a:effectLst>
                   <a:outerShdw blurRad="38100" dist="38100" dir="2700000" algn="tl">
@@ -15572,7 +15617,7 @@
             <a:r>
               <a:rPr lang="en-US" sz="2200" b="1" noProof="1">
                 <a:solidFill>
-                  <a:srgbClr val="8CF4F2"/>
+                  <a:schemeClr val="tx2"/>
                 </a:solidFill>
                 <a:effectLst>
                   <a:outerShdw blurRad="38100" dist="38100" dir="2700000" algn="tl">
@@ -15600,7 +15645,7 @@
             <a:r>
               <a:rPr lang="en-US" sz="2200" b="1" noProof="1">
                 <a:solidFill>
-                  <a:srgbClr val="8CF4F2"/>
+                  <a:schemeClr val="tx2"/>
                 </a:solidFill>
                 <a:effectLst>
                   <a:outerShdw blurRad="38100" dist="38100" dir="2700000" algn="tl">
@@ -15628,7 +15673,7 @@
             <a:r>
               <a:rPr lang="en-US" sz="2200" b="1" noProof="1">
                 <a:solidFill>
-                  <a:srgbClr val="8CF4F2"/>
+                  <a:schemeClr val="tx2"/>
                 </a:solidFill>
                 <a:effectLst>
                   <a:outerShdw blurRad="38100" dist="38100" dir="2700000" algn="tl">
@@ -15656,7 +15701,7 @@
             <a:r>
               <a:rPr lang="en-US" sz="2200" b="1" noProof="1">
                 <a:solidFill>
-                  <a:srgbClr val="8CF4F2"/>
+                  <a:schemeClr val="tx2"/>
                 </a:solidFill>
                 <a:effectLst>
                   <a:outerShdw blurRad="38100" dist="38100" dir="2700000" algn="tl">
@@ -15684,7 +15729,7 @@
             <a:r>
               <a:rPr lang="en-US" sz="2200" b="1" noProof="1">
                 <a:solidFill>
-                  <a:srgbClr val="8CF4F2"/>
+                  <a:schemeClr val="tx2"/>
                 </a:solidFill>
                 <a:effectLst>
                   <a:outerShdw blurRad="38100" dist="38100" dir="2700000" algn="tl">
@@ -15712,7 +15757,7 @@
             <a:r>
               <a:rPr lang="en-US" sz="2200" b="1" noProof="1">
                 <a:solidFill>
-                  <a:srgbClr val="8CF4F2"/>
+                  <a:schemeClr val="tx2"/>
                 </a:solidFill>
                 <a:effectLst>
                   <a:outerShdw blurRad="38100" dist="38100" dir="2700000" algn="tl">
@@ -15740,7 +15785,7 @@
             <a:r>
               <a:rPr lang="en-US" sz="2200" b="1" noProof="1">
                 <a:solidFill>
-                  <a:srgbClr val="8CF4F2"/>
+                  <a:schemeClr val="tx2"/>
                 </a:solidFill>
                 <a:effectLst>
                   <a:outerShdw blurRad="38100" dist="38100" dir="2700000" algn="tl">
@@ -16262,7 +16307,15 @@
             </a:pPr>
             <a:r>
               <a:rPr lang="en-US" noProof="1"/>
-              <a:t>Calculating the product of all numbers in the interval [</a:t>
+              <a:t>Calculating the product of all </a:t>
+            </a:r>
+            <a:r>
+              <a:rPr lang="en-US" noProof="1" smtClean="0"/>
+              <a:t>integers in </a:t>
+            </a:r>
+            <a:r>
+              <a:rPr lang="en-US" noProof="1"/>
+              <a:t>the interval [</a:t>
             </a:r>
             <a:r>
               <a:rPr lang="en-US" b="1" noProof="1">
@@ -16312,7 +16365,7 @@
           <a:p>
             <a:r>
               <a:rPr lang="en-US" dirty="0" smtClean="0"/>
-              <a:t>Product of Numbers [N</a:t>
+              <a:t>Product of Integers [N</a:t>
             </a:r>
             <a:r>
               <a:rPr lang="en-US" dirty="0"/>
@@ -16372,7 +16425,7 @@
             <a:r>
               <a:rPr lang="en-US" sz="2500" b="1" noProof="1">
                 <a:solidFill>
-                  <a:srgbClr val="8CF4F2"/>
+                  <a:schemeClr val="tx2"/>
                 </a:solidFill>
                 <a:effectLst>
                   <a:outerShdw blurRad="38100" dist="38100" dir="2700000" algn="tl">
@@ -16400,7 +16453,7 @@
             <a:r>
               <a:rPr lang="en-US" sz="2500" b="1" noProof="1">
                 <a:solidFill>
-                  <a:srgbClr val="8CF4F2"/>
+                  <a:schemeClr val="tx2"/>
                 </a:solidFill>
                 <a:effectLst>
                   <a:outerShdw blurRad="38100" dist="38100" dir="2700000" algn="tl">
@@ -16428,7 +16481,7 @@
             <a:r>
               <a:rPr lang="en-US" sz="2500" b="1" noProof="1">
                 <a:solidFill>
-                  <a:srgbClr val="8CF4F2"/>
+                  <a:schemeClr val="tx2"/>
                 </a:solidFill>
                 <a:effectLst>
                   <a:outerShdw blurRad="38100" dist="38100" dir="2700000" algn="tl">
@@ -16456,7 +16509,7 @@
             <a:r>
               <a:rPr lang="en-US" sz="2500" b="1" noProof="1">
                 <a:solidFill>
-                  <a:srgbClr val="8CF4F2"/>
+                  <a:schemeClr val="tx2"/>
                 </a:solidFill>
                 <a:effectLst>
                   <a:outerShdw blurRad="38100" dist="38100" dir="2700000" algn="tl">
@@ -16484,7 +16537,7 @@
             <a:r>
               <a:rPr lang="en-US" sz="2500" b="1" noProof="1">
                 <a:solidFill>
-                  <a:srgbClr val="8CF4F2"/>
+                  <a:schemeClr val="tx2"/>
                 </a:solidFill>
                 <a:effectLst>
                   <a:outerShdw blurRad="38100" dist="38100" dir="2700000" algn="tl">
@@ -16512,7 +16565,7 @@
             <a:r>
               <a:rPr lang="en-US" sz="2500" b="1" noProof="1">
                 <a:solidFill>
-                  <a:srgbClr val="8CF4F2"/>
+                  <a:schemeClr val="tx2"/>
                 </a:solidFill>
                 <a:effectLst>
                   <a:outerShdw blurRad="38100" dist="38100" dir="2700000" algn="tl">
@@ -16540,7 +16593,7 @@
             <a:r>
               <a:rPr lang="en-US" sz="2500" b="1" noProof="1">
                 <a:solidFill>
-                  <a:srgbClr val="8CF4F2"/>
+                  <a:schemeClr val="tx2"/>
                 </a:solidFill>
                 <a:effectLst>
                   <a:outerShdw blurRad="38100" dist="38100" dir="2700000" algn="tl">
@@ -16568,7 +16621,7 @@
             <a:r>
               <a:rPr lang="en-US" sz="2500" b="1" noProof="1">
                 <a:solidFill>
-                  <a:srgbClr val="8CF4F2"/>
+                  <a:schemeClr val="tx2"/>
                 </a:solidFill>
                 <a:effectLst>
                   <a:outerShdw blurRad="38100" dist="38100" dir="2700000" algn="tl">
@@ -16596,7 +16649,7 @@
             <a:r>
               <a:rPr lang="en-US" sz="2500" b="1" noProof="1">
                 <a:solidFill>
-                  <a:srgbClr val="8CF4F2"/>
+                  <a:schemeClr val="tx2"/>
                 </a:solidFill>
                 <a:effectLst>
                   <a:outerShdw blurRad="38100" dist="38100" dir="2700000" algn="tl">
@@ -16624,7 +16677,7 @@
             <a:r>
               <a:rPr lang="en-US" sz="2500" b="1" noProof="1">
                 <a:solidFill>
-                  <a:srgbClr val="8CF4F2"/>
+                  <a:schemeClr val="tx2"/>
                 </a:solidFill>
                 <a:effectLst>
                   <a:outerShdw blurRad="38100" dist="38100" dir="2700000" algn="tl">
@@ -16652,7 +16705,7 @@
             <a:r>
               <a:rPr lang="en-US" sz="2500" b="1" noProof="1">
                 <a:solidFill>
-                  <a:srgbClr val="8CF4F2"/>
+                  <a:schemeClr val="tx2"/>
                 </a:solidFill>
                 <a:effectLst>
                   <a:outerShdw blurRad="38100" dist="38100" dir="2700000" algn="tl">
@@ -16740,7 +16793,7 @@
             </a:r>
             <a:r>
               <a:rPr lang="en-US" noProof="1" smtClean="0"/>
-              <a:t>the Numbers</a:t>
+              <a:t>the Integers</a:t>
             </a:r>
             <a:br>
               <a:rPr lang="en-US" noProof="1" smtClean="0"/>
@@ -17253,7 +17306,7 @@
             <a:r>
               <a:rPr lang="en-US" b="1" noProof="1">
                 <a:solidFill>
-                  <a:srgbClr val="8CF4F2"/>
+                  <a:schemeClr val="tx2"/>
                 </a:solidFill>
                 <a:effectLst>
                   <a:outerShdw blurRad="38100" dist="38100" dir="2700000" algn="tl">
@@ -17270,7 +17323,7 @@
             <a:br>
               <a:rPr lang="en-US" b="1" noProof="1">
                 <a:solidFill>
-                  <a:srgbClr val="8CF4F2"/>
+                  <a:schemeClr val="tx2"/>
                 </a:solidFill>
                 <a:effectLst>
                   <a:outerShdw blurRad="38100" dist="38100" dir="2700000" algn="tl">
@@ -17286,7 +17339,7 @@
             <a:r>
               <a:rPr lang="en-US" b="1" noProof="1">
                 <a:solidFill>
-                  <a:srgbClr val="8CF4F2"/>
+                  <a:schemeClr val="tx2"/>
                 </a:solidFill>
                 <a:effectLst>
                   <a:outerShdw blurRad="38100" dist="38100" dir="2700000" algn="tl">
@@ -17303,7 +17356,7 @@
             <a:br>
               <a:rPr lang="en-US" b="1" noProof="1">
                 <a:solidFill>
-                  <a:srgbClr val="8CF4F2"/>
+                  <a:schemeClr val="tx2"/>
                 </a:solidFill>
                 <a:effectLst>
                   <a:outerShdw blurRad="38100" dist="38100" dir="2700000" algn="tl">
@@ -17319,7 +17372,7 @@
             <a:r>
               <a:rPr lang="en-US" b="1" noProof="1">
                 <a:solidFill>
-                  <a:srgbClr val="8CF4F2"/>
+                  <a:schemeClr val="tx2"/>
                 </a:solidFill>
                 <a:effectLst>
                   <a:outerShdw blurRad="38100" dist="38100" dir="2700000" algn="tl">
@@ -17336,7 +17389,7 @@
             <a:br>
               <a:rPr lang="en-US" b="1" noProof="1">
                 <a:solidFill>
-                  <a:srgbClr val="8CF4F2"/>
+                  <a:schemeClr val="tx2"/>
                 </a:solidFill>
                 <a:effectLst>
                   <a:outerShdw blurRad="38100" dist="38100" dir="2700000" algn="tl">
@@ -17352,7 +17405,7 @@
             <a:r>
               <a:rPr lang="en-US" b="1" noProof="1">
                 <a:solidFill>
-                  <a:srgbClr val="8CF4F2"/>
+                  <a:schemeClr val="tx2"/>
                 </a:solidFill>
                 <a:effectLst>
                   <a:outerShdw blurRad="38100" dist="38100" dir="2700000" algn="tl">
@@ -17603,7 +17656,7 @@
             <a:r>
               <a:rPr lang="en-US" sz="2600" b="1" noProof="1">
                 <a:solidFill>
-                  <a:srgbClr val="8CF4F2"/>
+                  <a:schemeClr val="tx2"/>
                 </a:solidFill>
                 <a:effectLst>
                   <a:outerShdw blurRad="38100" dist="38100" dir="2700000" algn="tl">
@@ -17615,15 +17668,12 @@
                 <a:latin typeface="Consolas" pitchFamily="49" charset="0"/>
                 <a:cs typeface="Consolas" pitchFamily="49" charset="0"/>
               </a:rPr>
-              <a:t>for (</a:t>
-            </a:r>
-            <a:r>
+              <a:t>for (int number = 0; ...; ...)</a:t>
+            </a:r>
+            <a:br>
               <a:rPr lang="en-US" sz="2600" b="1" noProof="1">
                 <a:solidFill>
-                  <a:schemeClr val="tx2">
-                    <a:lumMod val="20000"/>
-                    <a:lumOff val="80000"/>
-                  </a:schemeClr>
+                  <a:schemeClr val="tx2"/>
                 </a:solidFill>
                 <a:effectLst>
                   <a:outerShdw blurRad="38100" dist="38100" dir="2700000" algn="tl">
@@ -17635,12 +17685,11 @@
                 <a:latin typeface="Consolas" pitchFamily="49" charset="0"/>
                 <a:cs typeface="Consolas" pitchFamily="49" charset="0"/>
               </a:rPr>
-              <a:t>int number = 0</a:t>
-            </a:r>
+            </a:br>
             <a:r>
               <a:rPr lang="en-US" sz="2600" b="1" noProof="1">
                 <a:solidFill>
-                  <a:srgbClr val="8CF4F2"/>
+                  <a:schemeClr val="tx2"/>
                 </a:solidFill>
                 <a:effectLst>
                   <a:outerShdw blurRad="38100" dist="38100" dir="2700000" algn="tl">
@@ -17652,12 +17701,12 @@
                 <a:latin typeface="Consolas" pitchFamily="49" charset="0"/>
                 <a:cs typeface="Consolas" pitchFamily="49" charset="0"/>
               </a:rPr>
-              <a:t>; ...; ...)</a:t>
+              <a:t>{</a:t>
             </a:r>
             <a:br>
               <a:rPr lang="en-US" sz="2600" b="1" noProof="1">
                 <a:solidFill>
-                  <a:srgbClr val="8CF4F2"/>
+                  <a:schemeClr val="tx2"/>
                 </a:solidFill>
                 <a:effectLst>
                   <a:outerShdw blurRad="38100" dist="38100" dir="2700000" algn="tl">
@@ -17673,7 +17722,7 @@
             <a:r>
               <a:rPr lang="en-US" sz="2600" b="1" noProof="1">
                 <a:solidFill>
-                  <a:srgbClr val="8CF4F2"/>
+                  <a:schemeClr val="tx2"/>
                 </a:solidFill>
                 <a:effectLst>
                   <a:outerShdw blurRad="38100" dist="38100" dir="2700000" algn="tl">
@@ -17685,12 +17734,12 @@
                 <a:latin typeface="Consolas" pitchFamily="49" charset="0"/>
                 <a:cs typeface="Consolas" pitchFamily="49" charset="0"/>
               </a:rPr>
-              <a:t>{</a:t>
+              <a:t>    // Can use number here</a:t>
             </a:r>
             <a:br>
               <a:rPr lang="en-US" sz="2600" b="1" noProof="1">
                 <a:solidFill>
-                  <a:srgbClr val="8CF4F2"/>
+                  <a:schemeClr val="tx2"/>
                 </a:solidFill>
                 <a:effectLst>
                   <a:outerShdw blurRad="38100" dist="38100" dir="2700000" algn="tl">
@@ -17706,7 +17755,7 @@
             <a:r>
               <a:rPr lang="en-US" sz="2600" b="1" noProof="1">
                 <a:solidFill>
-                  <a:srgbClr val="8CF4F2"/>
+                  <a:schemeClr val="tx2"/>
                 </a:solidFill>
                 <a:effectLst>
                   <a:outerShdw blurRad="38100" dist="38100" dir="2700000" algn="tl">
@@ -17718,12 +17767,12 @@
                 <a:latin typeface="Consolas" pitchFamily="49" charset="0"/>
                 <a:cs typeface="Consolas" pitchFamily="49" charset="0"/>
               </a:rPr>
-              <a:t>    // Can use number here</a:t>
+              <a:t>}</a:t>
             </a:r>
             <a:br>
               <a:rPr lang="en-US" sz="2600" b="1" noProof="1">
                 <a:solidFill>
-                  <a:srgbClr val="8CF4F2"/>
+                  <a:schemeClr val="tx2"/>
                 </a:solidFill>
                 <a:effectLst>
                   <a:outerShdw blurRad="38100" dist="38100" dir="2700000" algn="tl">
@@ -17739,7 +17788,7 @@
             <a:r>
               <a:rPr lang="en-US" sz="2600" b="1" noProof="1">
                 <a:solidFill>
-                  <a:srgbClr val="8CF4F2"/>
+                  <a:schemeClr val="tx2"/>
                 </a:solidFill>
                 <a:effectLst>
                   <a:outerShdw blurRad="38100" dist="38100" dir="2700000" algn="tl">
@@ -17751,12 +17800,12 @@
                 <a:latin typeface="Consolas" pitchFamily="49" charset="0"/>
                 <a:cs typeface="Consolas" pitchFamily="49" charset="0"/>
               </a:rPr>
-              <a:t>}</a:t>
-            </a:r>
-            <a:br>
-              <a:rPr lang="en-US" sz="2600" b="1" noProof="1">
-                <a:solidFill>
-                  <a:srgbClr val="8CF4F2"/>
+              <a:t>// Cannot use number </a:t>
+            </a:r>
+            <a:r>
+              <a:rPr lang="en-US" sz="2600" b="1" noProof="1" smtClean="0">
+                <a:solidFill>
+                  <a:schemeClr val="tx2"/>
                 </a:solidFill>
                 <a:effectLst>
                   <a:outerShdw blurRad="38100" dist="38100" dir="2700000" algn="tl">
@@ -17768,44 +17817,11 @@
                 <a:latin typeface="Consolas" pitchFamily="49" charset="0"/>
                 <a:cs typeface="Consolas" pitchFamily="49" charset="0"/>
               </a:rPr>
-            </a:br>
-            <a:r>
-              <a:rPr lang="en-US" sz="2600" b="1" noProof="1">
-                <a:solidFill>
-                  <a:srgbClr val="8CF4F2"/>
-                </a:solidFill>
-                <a:effectLst>
-                  <a:outerShdw blurRad="38100" dist="38100" dir="2700000" algn="tl">
-                    <a:srgbClr val="000000">
-                      <a:alpha val="43137"/>
-                    </a:srgbClr>
-                  </a:outerShdw>
-                </a:effectLst>
-                <a:latin typeface="Consolas" pitchFamily="49" charset="0"/>
-                <a:cs typeface="Consolas" pitchFamily="49" charset="0"/>
-              </a:rPr>
-              <a:t>// Cannot use number </a:t>
-            </a:r>
-            <a:r>
-              <a:rPr lang="en-US" sz="2600" b="1" noProof="1" smtClean="0">
-                <a:solidFill>
-                  <a:srgbClr val="8CF4F2"/>
-                </a:solidFill>
-                <a:effectLst>
-                  <a:outerShdw blurRad="38100" dist="38100" dir="2700000" algn="tl">
-                    <a:srgbClr val="000000">
-                      <a:alpha val="43137"/>
-                    </a:srgbClr>
-                  </a:outerShdw>
-                </a:effectLst>
-                <a:latin typeface="Consolas" pitchFamily="49" charset="0"/>
-                <a:cs typeface="Consolas" pitchFamily="49" charset="0"/>
-              </a:rPr>
               <a:t>here (out of scope)</a:t>
             </a:r>
             <a:endParaRPr lang="en-US" sz="2600" b="1" noProof="1">
               <a:solidFill>
-                <a:srgbClr val="8CF4F2"/>
+                <a:schemeClr val="tx2"/>
               </a:solidFill>
               <a:effectLst>
                 <a:outerShdw blurRad="38100" dist="38100" dir="2700000" algn="tl">
@@ -18169,7 +18185,7 @@
             <a:r>
               <a:rPr lang="en-US" sz="2600" b="1" noProof="1">
                 <a:solidFill>
-                  <a:srgbClr val="8CF4F2"/>
+                  <a:schemeClr val="tx2"/>
                 </a:solidFill>
                 <a:effectLst>
                   <a:outerShdw blurRad="38100" dist="38100" dir="2700000" algn="tl">
@@ -18187,8 +18203,7 @@
               <a:rPr lang="en-US" sz="2600" b="1" noProof="1">
                 <a:solidFill>
                   <a:schemeClr val="tx2">
-                    <a:lumMod val="20000"/>
-                    <a:lumOff val="80000"/>
+                    <a:lumMod val="75000"/>
                   </a:schemeClr>
                 </a:solidFill>
                 <a:effectLst>
@@ -18206,7 +18221,7 @@
             <a:r>
               <a:rPr lang="en-US" sz="2600" b="1" noProof="1">
                 <a:solidFill>
-                  <a:srgbClr val="8CF4F2"/>
+                  <a:schemeClr val="tx2"/>
                 </a:solidFill>
                 <a:effectLst>
                   <a:outerShdw blurRad="38100" dist="38100" dir="2700000" algn="tl">
@@ -18223,7 +18238,7 @@
             <a:r>
               <a:rPr lang="en-US" sz="2600" b="1" noProof="1" smtClean="0">
                 <a:solidFill>
-                  <a:srgbClr val="8CF4F2"/>
+                  <a:schemeClr val="tx2"/>
                 </a:solidFill>
                 <a:effectLst>
                   <a:outerShdw blurRad="38100" dist="38100" dir="2700000" algn="tl">
@@ -18240,7 +18255,7 @@
             <a:r>
               <a:rPr lang="en-US" sz="2600" b="1" noProof="1">
                 <a:solidFill>
-                  <a:srgbClr val="8CF4F2"/>
+                  <a:schemeClr val="tx2"/>
                 </a:solidFill>
                 <a:effectLst>
                   <a:outerShdw blurRad="38100" dist="38100" dir="2700000" algn="tl">
@@ -18257,7 +18272,7 @@
             <a:br>
               <a:rPr lang="en-US" sz="2600" b="1" noProof="1">
                 <a:solidFill>
-                  <a:srgbClr val="8CF4F2"/>
+                  <a:schemeClr val="tx2"/>
                 </a:solidFill>
                 <a:effectLst>
                   <a:outerShdw blurRad="38100" dist="38100" dir="2700000" algn="tl">
@@ -18273,7 +18288,7 @@
             <a:r>
               <a:rPr lang="en-US" sz="2600" b="1" noProof="1">
                 <a:solidFill>
-                  <a:srgbClr val="8CF4F2"/>
+                  <a:schemeClr val="tx2"/>
                 </a:solidFill>
                 <a:effectLst>
                   <a:outerShdw blurRad="38100" dist="38100" dir="2700000" algn="tl">
@@ -18290,7 +18305,7 @@
             <a:br>
               <a:rPr lang="en-US" sz="2600" b="1" noProof="1">
                 <a:solidFill>
-                  <a:srgbClr val="8CF4F2"/>
+                  <a:schemeClr val="tx2"/>
                 </a:solidFill>
                 <a:effectLst>
                   <a:outerShdw blurRad="38100" dist="38100" dir="2700000" algn="tl">
@@ -18306,7 +18321,7 @@
             <a:r>
               <a:rPr lang="en-US" sz="2600" b="1" noProof="1">
                 <a:solidFill>
-                  <a:srgbClr val="8CF4F2"/>
+                  <a:schemeClr val="tx2"/>
                 </a:solidFill>
                 <a:effectLst>
                   <a:outerShdw blurRad="38100" dist="38100" dir="2700000" algn="tl">
@@ -18323,7 +18338,7 @@
             <a:br>
               <a:rPr lang="en-US" sz="2600" b="1" noProof="1">
                 <a:solidFill>
-                  <a:srgbClr val="8CF4F2"/>
+                  <a:schemeClr val="tx2"/>
                 </a:solidFill>
                 <a:effectLst>
                   <a:outerShdw blurRad="38100" dist="38100" dir="2700000" algn="tl">
@@ -18339,7 +18354,7 @@
             <a:r>
               <a:rPr lang="en-US" sz="2600" b="1" noProof="1">
                 <a:solidFill>
-                  <a:srgbClr val="8CF4F2"/>
+                  <a:schemeClr val="tx2"/>
                 </a:solidFill>
                 <a:effectLst>
                   <a:outerShdw blurRad="38100" dist="38100" dir="2700000" algn="tl">
@@ -18356,7 +18371,7 @@
             <a:br>
               <a:rPr lang="en-US" sz="2600" b="1" noProof="1">
                 <a:solidFill>
-                  <a:srgbClr val="8CF4F2"/>
+                  <a:schemeClr val="tx2"/>
                 </a:solidFill>
                 <a:effectLst>
                   <a:outerShdw blurRad="38100" dist="38100" dir="2700000" algn="tl">
@@ -18372,7 +18387,7 @@
             <a:r>
               <a:rPr lang="en-US" sz="2600" b="1" noProof="1">
                 <a:solidFill>
-                  <a:srgbClr val="8CF4F2"/>
+                  <a:schemeClr val="tx2"/>
                 </a:solidFill>
                 <a:effectLst>
                   <a:outerShdw blurRad="38100" dist="38100" dir="2700000" algn="tl">
@@ -18389,7 +18404,7 @@
             <a:r>
               <a:rPr lang="en-US" sz="2600" b="1" noProof="1" smtClean="0">
                 <a:solidFill>
-                  <a:srgbClr val="8CF4F2"/>
+                  <a:schemeClr val="tx2"/>
                 </a:solidFill>
                 <a:effectLst>
                   <a:outerShdw blurRad="38100" dist="38100" dir="2700000" algn="tl">
@@ -18405,7 +18420,7 @@
             </a:r>
             <a:endParaRPr lang="en-US" sz="2600" b="1" noProof="1">
               <a:solidFill>
-                <a:srgbClr val="8CF4F2"/>
+                <a:schemeClr val="tx2"/>
               </a:solidFill>
               <a:effectLst>
                 <a:outerShdw blurRad="38100" dist="38100" dir="2700000" algn="tl">
@@ -18642,9 +18657,6 @@
             </a:pPr>
             <a:r>
               <a:rPr lang="en-US" dirty="0" smtClean="0">
-                <a:solidFill>
-                  <a:schemeClr val="tx2"/>
-                </a:solidFill>
                 <a:effectLst>
                   <a:outerShdw blurRad="38100" dist="38100" dir="2700000" algn="tl">
                     <a:srgbClr val="000000"/>
@@ -18654,9 +18666,6 @@
               <a:t>Can update multiple variables</a:t>
             </a:r>
             <a:endParaRPr lang="en-US" dirty="0">
-              <a:solidFill>
-                <a:schemeClr val="tx2"/>
-              </a:solidFill>
               <a:effectLst>
                 <a:outerShdw blurRad="38100" dist="38100" dir="2700000" algn="tl">
                   <a:srgbClr val="000000"/>
@@ -18738,7 +18747,7 @@
             <a:r>
               <a:rPr lang="en-US" sz="2600" b="1" noProof="1">
                 <a:solidFill>
-                  <a:srgbClr val="8CF4F2"/>
+                  <a:schemeClr val="tx2"/>
                 </a:solidFill>
                 <a:effectLst>
                   <a:outerShdw blurRad="38100" dist="38100" dir="2700000" algn="tl">
@@ -18756,8 +18765,7 @@
               <a:rPr lang="en-US" sz="2600" b="1" noProof="1">
                 <a:solidFill>
                   <a:schemeClr val="tx2">
-                    <a:lumMod val="20000"/>
-                    <a:lumOff val="80000"/>
+                    <a:lumMod val="75000"/>
                   </a:schemeClr>
                 </a:solidFill>
                 <a:effectLst>
@@ -18775,7 +18783,7 @@
             <a:r>
               <a:rPr lang="en-US" sz="2600" b="1" noProof="1">
                 <a:solidFill>
-                  <a:srgbClr val="8CF4F2"/>
+                  <a:schemeClr val="tx2"/>
                 </a:solidFill>
                 <a:effectLst>
                   <a:outerShdw blurRad="38100" dist="38100" dir="2700000" algn="tl">
@@ -18792,7 +18800,7 @@
             <a:r>
               <a:rPr lang="en-US" sz="2600" b="1" noProof="1" smtClean="0">
                 <a:solidFill>
-                  <a:srgbClr val="8CF4F2"/>
+                  <a:schemeClr val="tx2"/>
                 </a:solidFill>
                 <a:effectLst>
                   <a:outerShdw blurRad="38100" dist="38100" dir="2700000" algn="tl">
@@ -18809,7 +18817,7 @@
             <a:r>
               <a:rPr lang="en-US" sz="2600" b="1" noProof="1">
                 <a:solidFill>
-                  <a:srgbClr val="8CF4F2"/>
+                  <a:schemeClr val="tx2"/>
                 </a:solidFill>
                 <a:effectLst>
                   <a:outerShdw blurRad="38100" dist="38100" dir="2700000" algn="tl">
@@ -18826,7 +18834,7 @@
             <a:br>
               <a:rPr lang="en-US" sz="2600" b="1" noProof="1">
                 <a:solidFill>
-                  <a:srgbClr val="8CF4F2"/>
+                  <a:schemeClr val="tx2"/>
                 </a:solidFill>
                 <a:effectLst>
                   <a:outerShdw blurRad="38100" dist="38100" dir="2700000" algn="tl">
@@ -18842,7 +18850,7 @@
             <a:r>
               <a:rPr lang="en-US" sz="2600" b="1" noProof="1">
                 <a:solidFill>
-                  <a:srgbClr val="8CF4F2"/>
+                  <a:schemeClr val="tx2"/>
                 </a:solidFill>
                 <a:effectLst>
                   <a:outerShdw blurRad="38100" dist="38100" dir="2700000" algn="tl">
@@ -18859,7 +18867,7 @@
             <a:br>
               <a:rPr lang="en-US" sz="2600" b="1" noProof="1">
                 <a:solidFill>
-                  <a:srgbClr val="8CF4F2"/>
+                  <a:schemeClr val="tx2"/>
                 </a:solidFill>
                 <a:effectLst>
                   <a:outerShdw blurRad="38100" dist="38100" dir="2700000" algn="tl">
@@ -18875,7 +18883,7 @@
             <a:r>
               <a:rPr lang="en-US" sz="2600" b="1" noProof="1">
                 <a:solidFill>
-                  <a:srgbClr val="8CF4F2"/>
+                  <a:schemeClr val="tx2"/>
                 </a:solidFill>
                 <a:effectLst>
                   <a:outerShdw blurRad="38100" dist="38100" dir="2700000" algn="tl">
@@ -18892,7 +18900,7 @@
             <a:br>
               <a:rPr lang="en-US" sz="2600" b="1" noProof="1">
                 <a:solidFill>
-                  <a:srgbClr val="8CF4F2"/>
+                  <a:schemeClr val="tx2"/>
                 </a:solidFill>
                 <a:effectLst>
                   <a:outerShdw blurRad="38100" dist="38100" dir="2700000" algn="tl">
@@ -18908,7 +18916,7 @@
             <a:r>
               <a:rPr lang="en-US" sz="2600" b="1" noProof="1">
                 <a:solidFill>
-                  <a:srgbClr val="8CF4F2"/>
+                  <a:schemeClr val="tx2"/>
                 </a:solidFill>
                 <a:effectLst>
                   <a:outerShdw blurRad="38100" dist="38100" dir="2700000" algn="tl">
@@ -18925,7 +18933,7 @@
             <a:br>
               <a:rPr lang="en-US" sz="2600" b="1" noProof="1">
                 <a:solidFill>
-                  <a:srgbClr val="8CF4F2"/>
+                  <a:schemeClr val="tx2"/>
                 </a:solidFill>
                 <a:effectLst>
                   <a:outerShdw blurRad="38100" dist="38100" dir="2700000" algn="tl">
@@ -18941,7 +18949,7 @@
             <a:r>
               <a:rPr lang="en-US" sz="2600" b="1" noProof="1">
                 <a:solidFill>
-                  <a:srgbClr val="8CF4F2"/>
+                  <a:schemeClr val="tx2"/>
                 </a:solidFill>
                 <a:effectLst>
                   <a:outerShdw blurRad="38100" dist="38100" dir="2700000" algn="tl">
@@ -18958,7 +18966,7 @@
             <a:r>
               <a:rPr lang="en-US" sz="2600" b="1" noProof="1" smtClean="0">
                 <a:solidFill>
-                  <a:srgbClr val="8CF4F2"/>
+                  <a:schemeClr val="tx2"/>
                 </a:solidFill>
                 <a:effectLst>
                   <a:outerShdw blurRad="38100" dist="38100" dir="2700000" algn="tl">
@@ -18974,7 +18982,7 @@
             </a:r>
             <a:endParaRPr lang="en-US" sz="2600" b="1" noProof="1">
               <a:solidFill>
-                <a:srgbClr val="8CF4F2"/>
+                <a:schemeClr val="tx2"/>
               </a:solidFill>
               <a:effectLst>
                 <a:outerShdw blurRad="38100" dist="38100" dir="2700000" algn="tl">
@@ -19523,7 +19531,7 @@
             <a:r>
               <a:rPr lang="en-US" b="1" noProof="1" smtClean="0">
                 <a:solidFill>
-                  <a:srgbClr val="8CF4F2"/>
+                  <a:schemeClr val="tx2"/>
                 </a:solidFill>
                 <a:effectLst>
                   <a:outerShdw blurRad="38100" dist="38100" dir="2700000" algn="tl">
@@ -19539,7 +19547,7 @@
             </a:r>
             <a:endParaRPr lang="en-US" b="1" noProof="1">
               <a:solidFill>
-                <a:srgbClr val="8CF4F2"/>
+                <a:schemeClr val="tx2"/>
               </a:solidFill>
               <a:effectLst>
                 <a:outerShdw blurRad="38100" dist="38100" dir="2700000" algn="tl">
@@ -19565,7 +19573,7 @@
             <a:r>
               <a:rPr lang="en-US" b="1" noProof="1">
                 <a:solidFill>
-                  <a:srgbClr val="8CF4F2"/>
+                  <a:schemeClr val="tx2"/>
                 </a:solidFill>
                 <a:effectLst>
                   <a:outerShdw blurRad="38100" dist="38100" dir="2700000" algn="tl">
@@ -19593,7 +19601,7 @@
             <a:r>
               <a:rPr lang="en-US" b="1" noProof="1">
                 <a:solidFill>
-                  <a:srgbClr val="8CF4F2"/>
+                  <a:schemeClr val="tx2"/>
                 </a:solidFill>
                 <a:effectLst>
                   <a:outerShdw blurRad="38100" dist="38100" dir="2700000" algn="tl">
@@ -19621,7 +19629,7 @@
             <a:r>
               <a:rPr lang="en-US" b="1" noProof="1">
                 <a:solidFill>
-                  <a:srgbClr val="8CF4F2"/>
+                  <a:schemeClr val="tx2"/>
                 </a:solidFill>
                 <a:effectLst>
                   <a:outerShdw blurRad="38100" dist="38100" dir="2700000" algn="tl">
@@ -19907,7 +19915,7 @@
             <a:r>
               <a:rPr lang="nn-NO" b="1" noProof="1">
                 <a:solidFill>
-                  <a:srgbClr val="8CF4F2"/>
+                  <a:schemeClr val="tx2"/>
                 </a:solidFill>
                 <a:effectLst>
                   <a:outerShdw blurRad="38100" dist="38100" dir="2700000" algn="tl">
@@ -19935,7 +19943,7 @@
             <a:r>
               <a:rPr lang="nn-NO" b="1" noProof="1">
                 <a:solidFill>
-                  <a:srgbClr val="8CF4F2"/>
+                  <a:schemeClr val="tx2"/>
                 </a:solidFill>
                 <a:effectLst>
                   <a:outerShdw blurRad="38100" dist="38100" dir="2700000" algn="tl">
@@ -19963,7 +19971,7 @@
             <a:r>
               <a:rPr lang="nn-NO" b="1" noProof="1">
                 <a:solidFill>
-                  <a:srgbClr val="8CF4F2"/>
+                  <a:schemeClr val="tx2"/>
                 </a:solidFill>
                 <a:effectLst>
                   <a:outerShdw blurRad="38100" dist="38100" dir="2700000" algn="tl">
@@ -19991,7 +19999,7 @@
             <a:r>
               <a:rPr lang="nn-NO" b="1" noProof="1">
                 <a:solidFill>
-                  <a:srgbClr val="8CF4F2"/>
+                  <a:schemeClr val="tx2"/>
                 </a:solidFill>
                 <a:effectLst>
                   <a:outerShdw blurRad="38100" dist="38100" dir="2700000" algn="tl">
@@ -20007,7 +20015,7 @@
             </a:r>
             <a:endParaRPr lang="en-US" b="1" noProof="1">
               <a:solidFill>
-                <a:srgbClr val="8CF4F2"/>
+                <a:schemeClr val="tx2"/>
               </a:solidFill>
               <a:effectLst>
                 <a:outerShdw blurRad="38100" dist="38100" dir="2700000" algn="tl">
@@ -20269,7 +20277,7 @@
             <a:r>
               <a:rPr lang="nn-NO" b="1" noProof="1">
                 <a:solidFill>
-                  <a:srgbClr val="8CF4F2"/>
+                  <a:schemeClr val="tx2"/>
                 </a:solidFill>
                 <a:effectLst>
                   <a:outerShdw blurRad="38100" dist="38100" dir="2700000" algn="tl">
@@ -20297,7 +20305,7 @@
             <a:r>
               <a:rPr lang="nn-NO" b="1" noProof="1">
                 <a:solidFill>
-                  <a:srgbClr val="8CF4F2"/>
+                  <a:schemeClr val="tx2"/>
                 </a:solidFill>
                 <a:effectLst>
                   <a:outerShdw blurRad="38100" dist="38100" dir="2700000" algn="tl">
@@ -20325,7 +20333,7 @@
             <a:r>
               <a:rPr lang="nn-NO" b="1" noProof="1">
                 <a:solidFill>
-                  <a:srgbClr val="8CF4F2"/>
+                  <a:schemeClr val="tx2"/>
                 </a:solidFill>
                 <a:effectLst>
                   <a:outerShdw blurRad="38100" dist="38100" dir="2700000" algn="tl">
@@ -20353,7 +20361,7 @@
             <a:r>
               <a:rPr lang="nn-NO" b="1" noProof="1">
                 <a:solidFill>
-                  <a:srgbClr val="8CF4F2"/>
+                  <a:schemeClr val="tx2"/>
                 </a:solidFill>
                 <a:effectLst>
                   <a:outerShdw blurRad="38100" dist="38100" dir="2700000" algn="tl">
@@ -20381,7 +20389,7 @@
             <a:r>
               <a:rPr lang="nn-NO" b="1" noProof="1">
                 <a:solidFill>
-                  <a:srgbClr val="8CF4F2"/>
+                  <a:schemeClr val="tx2"/>
                 </a:solidFill>
                 <a:effectLst>
                   <a:outerShdw blurRad="38100" dist="38100" dir="2700000" algn="tl">
@@ -20397,7 +20405,7 @@
             </a:r>
             <a:endParaRPr lang="en-US" b="1" noProof="1">
               <a:solidFill>
-                <a:srgbClr val="8CF4F2"/>
+                <a:schemeClr val="tx2"/>
               </a:solidFill>
               <a:effectLst>
                 <a:outerShdw blurRad="38100" dist="38100" dir="2700000" algn="tl">
@@ -20638,7 +20646,7 @@
             <a:r>
               <a:rPr lang="nn-NO" b="1" noProof="1">
                 <a:solidFill>
-                  <a:srgbClr val="8CF4F2"/>
+                  <a:schemeClr val="tx2"/>
                 </a:solidFill>
                 <a:effectLst>
                   <a:outerShdw blurRad="38100" dist="38100" dir="2700000" algn="tl">
@@ -20650,7 +20658,177 @@
                 <a:latin typeface="Consolas" pitchFamily="49" charset="0"/>
                 <a:cs typeface="Consolas" pitchFamily="49" charset="0"/>
               </a:rPr>
-              <a:t>for (int i=1, sum=1; i&lt;=128; i=i*2, sum+=i)</a:t>
+              <a:t>for (int </a:t>
+            </a:r>
+            <a:r>
+              <a:rPr lang="nn-NO" b="1" noProof="1" smtClean="0">
+                <a:solidFill>
+                  <a:schemeClr val="tx2"/>
+                </a:solidFill>
+                <a:effectLst>
+                  <a:outerShdw blurRad="38100" dist="38100" dir="2700000" algn="tl">
+                    <a:srgbClr val="000000">
+                      <a:alpha val="43137"/>
+                    </a:srgbClr>
+                  </a:outerShdw>
+                </a:effectLst>
+                <a:latin typeface="Consolas" pitchFamily="49" charset="0"/>
+                <a:cs typeface="Consolas" pitchFamily="49" charset="0"/>
+              </a:rPr>
+              <a:t>i = 1</a:t>
+            </a:r>
+            <a:r>
+              <a:rPr lang="nn-NO" b="1" noProof="1">
+                <a:solidFill>
+                  <a:schemeClr val="tx2"/>
+                </a:solidFill>
+                <a:effectLst>
+                  <a:outerShdw blurRad="38100" dist="38100" dir="2700000" algn="tl">
+                    <a:srgbClr val="000000">
+                      <a:alpha val="43137"/>
+                    </a:srgbClr>
+                  </a:outerShdw>
+                </a:effectLst>
+                <a:latin typeface="Consolas" pitchFamily="49" charset="0"/>
+                <a:cs typeface="Consolas" pitchFamily="49" charset="0"/>
+              </a:rPr>
+              <a:t>, </a:t>
+            </a:r>
+            <a:r>
+              <a:rPr lang="nn-NO" b="1" noProof="1" smtClean="0">
+                <a:solidFill>
+                  <a:schemeClr val="tx2"/>
+                </a:solidFill>
+                <a:effectLst>
+                  <a:outerShdw blurRad="38100" dist="38100" dir="2700000" algn="tl">
+                    <a:srgbClr val="000000">
+                      <a:alpha val="43137"/>
+                    </a:srgbClr>
+                  </a:outerShdw>
+                </a:effectLst>
+                <a:latin typeface="Consolas" pitchFamily="49" charset="0"/>
+                <a:cs typeface="Consolas" pitchFamily="49" charset="0"/>
+              </a:rPr>
+              <a:t>sum = 1</a:t>
+            </a:r>
+            <a:r>
+              <a:rPr lang="nn-NO" b="1" noProof="1">
+                <a:solidFill>
+                  <a:schemeClr val="tx2"/>
+                </a:solidFill>
+                <a:effectLst>
+                  <a:outerShdw blurRad="38100" dist="38100" dir="2700000" algn="tl">
+                    <a:srgbClr val="000000">
+                      <a:alpha val="43137"/>
+                    </a:srgbClr>
+                  </a:outerShdw>
+                </a:effectLst>
+                <a:latin typeface="Consolas" pitchFamily="49" charset="0"/>
+                <a:cs typeface="Consolas" pitchFamily="49" charset="0"/>
+              </a:rPr>
+              <a:t>; </a:t>
+            </a:r>
+            <a:r>
+              <a:rPr lang="nn-NO" b="1" noProof="1" smtClean="0">
+                <a:solidFill>
+                  <a:schemeClr val="tx2"/>
+                </a:solidFill>
+                <a:effectLst>
+                  <a:outerShdw blurRad="38100" dist="38100" dir="2700000" algn="tl">
+                    <a:srgbClr val="000000">
+                      <a:alpha val="43137"/>
+                    </a:srgbClr>
+                  </a:outerShdw>
+                </a:effectLst>
+                <a:latin typeface="Consolas" pitchFamily="49" charset="0"/>
+                <a:cs typeface="Consolas" pitchFamily="49" charset="0"/>
+              </a:rPr>
+              <a:t>i &lt;= 128</a:t>
+            </a:r>
+            <a:r>
+              <a:rPr lang="nn-NO" b="1" noProof="1">
+                <a:solidFill>
+                  <a:schemeClr val="tx2"/>
+                </a:solidFill>
+                <a:effectLst>
+                  <a:outerShdw blurRad="38100" dist="38100" dir="2700000" algn="tl">
+                    <a:srgbClr val="000000">
+                      <a:alpha val="43137"/>
+                    </a:srgbClr>
+                  </a:outerShdw>
+                </a:effectLst>
+                <a:latin typeface="Consolas" pitchFamily="49" charset="0"/>
+                <a:cs typeface="Consolas" pitchFamily="49" charset="0"/>
+              </a:rPr>
+              <a:t>; </a:t>
+            </a:r>
+            <a:r>
+              <a:rPr lang="nn-NO" b="1" noProof="1" smtClean="0">
+                <a:solidFill>
+                  <a:schemeClr val="tx2"/>
+                </a:solidFill>
+                <a:effectLst>
+                  <a:outerShdw blurRad="38100" dist="38100" dir="2700000" algn="tl">
+                    <a:srgbClr val="000000">
+                      <a:alpha val="43137"/>
+                    </a:srgbClr>
+                  </a:outerShdw>
+                </a:effectLst>
+                <a:latin typeface="Consolas" pitchFamily="49" charset="0"/>
+                <a:cs typeface="Consolas" pitchFamily="49" charset="0"/>
+              </a:rPr>
+              <a:t>i = i * 2</a:t>
+            </a:r>
+            <a:r>
+              <a:rPr lang="nn-NO" b="1" noProof="1">
+                <a:solidFill>
+                  <a:schemeClr val="tx2"/>
+                </a:solidFill>
+                <a:effectLst>
+                  <a:outerShdw blurRad="38100" dist="38100" dir="2700000" algn="tl">
+                    <a:srgbClr val="000000">
+                      <a:alpha val="43137"/>
+                    </a:srgbClr>
+                  </a:outerShdw>
+                </a:effectLst>
+                <a:latin typeface="Consolas" pitchFamily="49" charset="0"/>
+                <a:cs typeface="Consolas" pitchFamily="49" charset="0"/>
+              </a:rPr>
+              <a:t>, </a:t>
+            </a:r>
+            <a:r>
+              <a:rPr lang="nn-NO" b="1" noProof="1" smtClean="0">
+                <a:solidFill>
+                  <a:schemeClr val="tx2"/>
+                </a:solidFill>
+                <a:effectLst>
+                  <a:outerShdw blurRad="38100" dist="38100" dir="2700000" algn="tl">
+                    <a:srgbClr val="000000">
+                      <a:alpha val="43137"/>
+                    </a:srgbClr>
+                  </a:outerShdw>
+                </a:effectLst>
+                <a:latin typeface="Consolas" pitchFamily="49" charset="0"/>
+                <a:cs typeface="Consolas" pitchFamily="49" charset="0"/>
+              </a:rPr>
+              <a:t>sum += i</a:t>
+            </a:r>
+            <a:r>
+              <a:rPr lang="nn-NO" b="1" noProof="1">
+                <a:solidFill>
+                  <a:schemeClr val="tx2"/>
+                </a:solidFill>
+                <a:effectLst>
+                  <a:outerShdw blurRad="38100" dist="38100" dir="2700000" algn="tl">
+                    <a:srgbClr val="000000">
+                      <a:alpha val="43137"/>
+                    </a:srgbClr>
+                  </a:outerShdw>
+                </a:effectLst>
+                <a:latin typeface="Consolas" pitchFamily="49" charset="0"/>
+                <a:cs typeface="Consolas" pitchFamily="49" charset="0"/>
+              </a:rPr>
+              <a:t>)</a:t>
             </a:r>
           </a:p>
           <a:p>
@@ -20666,7 +20844,7 @@
             <a:r>
               <a:rPr lang="nn-NO" b="1" noProof="1">
                 <a:solidFill>
-                  <a:srgbClr val="8CF4F2"/>
+                  <a:schemeClr val="tx2"/>
                 </a:solidFill>
                 <a:effectLst>
                   <a:outerShdw blurRad="38100" dist="38100" dir="2700000" algn="tl">
@@ -20694,7 +20872,7 @@
             <a:r>
               <a:rPr lang="nn-NO" b="1" noProof="1">
                 <a:solidFill>
-                  <a:srgbClr val="8CF4F2"/>
+                  <a:schemeClr val="tx2"/>
                 </a:solidFill>
                 <a:effectLst>
                   <a:outerShdw blurRad="38100" dist="38100" dir="2700000" algn="tl">
@@ -20722,7 +20900,7 @@
             <a:r>
               <a:rPr lang="nn-NO" b="1" noProof="1">
                 <a:solidFill>
-                  <a:srgbClr val="8CF4F2"/>
+                  <a:schemeClr val="tx2"/>
                 </a:solidFill>
                 <a:effectLst>
                   <a:outerShdw blurRad="38100" dist="38100" dir="2700000" algn="tl">
@@ -20738,7 +20916,7 @@
             </a:r>
             <a:endParaRPr lang="en-US" b="1" noProof="1">
               <a:solidFill>
-                <a:srgbClr val="8CF4F2"/>
+                <a:schemeClr val="tx2"/>
               </a:solidFill>
               <a:effectLst>
                 <a:outerShdw blurRad="38100" dist="38100" dir="2700000" algn="tl">
@@ -20803,7 +20981,7 @@
             <a:r>
               <a:rPr lang="nn-NO" b="1" noProof="1">
                 <a:solidFill>
-                  <a:srgbClr val="8CF4F2"/>
+                  <a:schemeClr val="tx2"/>
                 </a:solidFill>
                 <a:effectLst>
                   <a:outerShdw blurRad="38100" dist="38100" dir="2700000" algn="tl">
@@ -20831,7 +21009,7 @@
             <a:r>
               <a:rPr lang="nn-NO" b="1" noProof="1">
                 <a:solidFill>
-                  <a:srgbClr val="8CF4F2"/>
+                  <a:schemeClr val="tx2"/>
                 </a:solidFill>
                 <a:effectLst>
                   <a:outerShdw blurRad="38100" dist="38100" dir="2700000" algn="tl">
@@ -20859,7 +21037,7 @@
             <a:r>
               <a:rPr lang="nn-NO" b="1" noProof="1">
                 <a:solidFill>
-                  <a:srgbClr val="8CF4F2"/>
+                  <a:schemeClr val="tx2"/>
                 </a:solidFill>
                 <a:effectLst>
                   <a:outerShdw blurRad="38100" dist="38100" dir="2700000" algn="tl">
@@ -20887,7 +21065,7 @@
             <a:r>
               <a:rPr lang="nn-NO" b="1" noProof="1">
                 <a:solidFill>
-                  <a:srgbClr val="8CF4F2"/>
+                  <a:schemeClr val="tx2"/>
                 </a:solidFill>
                 <a:effectLst>
                   <a:outerShdw blurRad="38100" dist="38100" dir="2700000" algn="tl">
@@ -20915,7 +21093,7 @@
             <a:r>
               <a:rPr lang="nn-NO" b="1" noProof="1">
                 <a:solidFill>
-                  <a:srgbClr val="8CF4F2"/>
+                  <a:schemeClr val="tx2"/>
                 </a:solidFill>
                 <a:effectLst>
                   <a:outerShdw blurRad="38100" dist="38100" dir="2700000" algn="tl">
@@ -20931,7 +21109,7 @@
             </a:r>
             <a:endParaRPr lang="en-US" b="1" noProof="1">
               <a:solidFill>
-                <a:srgbClr val="8CF4F2"/>
+                <a:schemeClr val="tx2"/>
               </a:solidFill>
               <a:effectLst>
                 <a:outerShdw blurRad="38100" dist="38100" dir="2700000" algn="tl">
@@ -21484,7 +21662,7 @@
             <a:r>
               <a:rPr lang="en-US" sz="2500" b="1" noProof="1">
                 <a:solidFill>
-                  <a:srgbClr val="8CF4F2"/>
+                  <a:schemeClr val="tx2"/>
                 </a:solidFill>
                 <a:effectLst>
                   <a:outerShdw blurRad="38100" dist="38100" dir="2700000" algn="tl">
@@ -21512,7 +21690,7 @@
             <a:r>
               <a:rPr lang="en-US" sz="2500" b="1" noProof="1">
                 <a:solidFill>
-                  <a:srgbClr val="8CF4F2"/>
+                  <a:schemeClr val="tx2"/>
                 </a:solidFill>
                 <a:effectLst>
                   <a:outerShdw blurRad="38100" dist="38100" dir="2700000" algn="tl">
@@ -21540,7 +21718,7 @@
             <a:r>
               <a:rPr lang="en-US" sz="2500" b="1" noProof="1">
                 <a:solidFill>
-                  <a:srgbClr val="8CF4F2"/>
+                  <a:schemeClr val="tx2"/>
                 </a:solidFill>
                 <a:effectLst>
                   <a:outerShdw blurRad="38100" dist="38100" dir="2700000" algn="tl">
@@ -21568,7 +21746,7 @@
             <a:r>
               <a:rPr lang="en-US" sz="2500" b="1" noProof="1">
                 <a:solidFill>
-                  <a:srgbClr val="8CF4F2"/>
+                  <a:schemeClr val="tx2"/>
                 </a:solidFill>
                 <a:effectLst>
                   <a:outerShdw blurRad="38100" dist="38100" dir="2700000" algn="tl">
@@ -21596,7 +21774,7 @@
             <a:r>
               <a:rPr lang="en-US" sz="2500" b="1" noProof="1">
                 <a:solidFill>
-                  <a:srgbClr val="8CF4F2"/>
+                  <a:schemeClr val="tx2"/>
                 </a:solidFill>
                 <a:effectLst>
                   <a:outerShdw blurRad="38100" dist="38100" dir="2700000" algn="tl">
@@ -21624,7 +21802,7 @@
             <a:r>
               <a:rPr lang="en-US" sz="2500" b="1" noProof="1">
                 <a:solidFill>
-                  <a:srgbClr val="8CF4F2"/>
+                  <a:schemeClr val="tx2"/>
                 </a:solidFill>
                 <a:effectLst>
                   <a:outerShdw blurRad="38100" dist="38100" dir="2700000" algn="tl">
@@ -21652,7 +21830,7 @@
             <a:r>
               <a:rPr lang="en-US" sz="2500" b="1" noProof="1">
                 <a:solidFill>
-                  <a:srgbClr val="8CF4F2"/>
+                  <a:schemeClr val="tx2"/>
                 </a:solidFill>
                 <a:effectLst>
                   <a:outerShdw blurRad="38100" dist="38100" dir="2700000" algn="tl">
@@ -21680,7 +21858,7 @@
             <a:r>
               <a:rPr lang="en-US" sz="2500" b="1" noProof="1">
                 <a:solidFill>
-                  <a:srgbClr val="8CF4F2"/>
+                  <a:schemeClr val="tx2"/>
                 </a:solidFill>
                 <a:effectLst>
                   <a:outerShdw blurRad="38100" dist="38100" dir="2700000" algn="tl">
@@ -21708,7 +21886,7 @@
             <a:r>
               <a:rPr lang="en-US" sz="2500" b="1" noProof="1">
                 <a:solidFill>
-                  <a:srgbClr val="8CF4F2"/>
+                  <a:schemeClr val="tx2"/>
                 </a:solidFill>
                 <a:effectLst>
                   <a:outerShdw blurRad="38100" dist="38100" dir="2700000" algn="tl">
@@ -21736,7 +21914,7 @@
             <a:r>
               <a:rPr lang="en-US" sz="2500" b="1" noProof="1">
                 <a:solidFill>
-                  <a:srgbClr val="8CF4F2"/>
+                  <a:schemeClr val="tx2"/>
                 </a:solidFill>
                 <a:effectLst>
                   <a:outerShdw blurRad="38100" dist="38100" dir="2700000" algn="tl">
@@ -21764,7 +21942,7 @@
             <a:r>
               <a:rPr lang="en-US" sz="2500" b="1" noProof="1">
                 <a:solidFill>
-                  <a:srgbClr val="8CF4F2"/>
+                  <a:schemeClr val="tx2"/>
                 </a:solidFill>
                 <a:effectLst>
                   <a:outerShdw blurRad="38100" dist="38100" dir="2700000" algn="tl">
@@ -22242,7 +22420,7 @@
             <a:r>
               <a:rPr lang="en-US" b="1" noProof="1">
                 <a:solidFill>
-                  <a:srgbClr val="8CF4F2"/>
+                  <a:schemeClr val="tx2"/>
                 </a:solidFill>
                 <a:effectLst>
                   <a:outerShdw blurRad="38100" dist="38100" dir="2700000" algn="tl">
@@ -22273,7 +22451,7 @@
             <a:r>
               <a:rPr lang="en-US" b="1" noProof="1">
                 <a:solidFill>
-                  <a:srgbClr val="8CF4F2"/>
+                  <a:schemeClr val="tx2"/>
                 </a:solidFill>
                 <a:effectLst>
                   <a:outerShdw blurRad="38100" dist="38100" dir="2700000" algn="tl">
@@ -22304,7 +22482,7 @@
             <a:r>
               <a:rPr lang="en-US" b="1" noProof="1">
                 <a:solidFill>
-                  <a:srgbClr val="8CF4F2"/>
+                  <a:schemeClr val="tx2"/>
                 </a:solidFill>
                 <a:effectLst>
                   <a:outerShdw blurRad="38100" dist="38100" dir="2700000" algn="tl">
@@ -22335,7 +22513,7 @@
             <a:r>
               <a:rPr lang="en-US" b="1" noProof="1">
                 <a:solidFill>
-                  <a:srgbClr val="8CF4F2"/>
+                  <a:schemeClr val="tx2"/>
                 </a:solidFill>
                 <a:effectLst>
                   <a:outerShdw blurRad="38100" dist="38100" dir="2700000" algn="tl">
@@ -22366,7 +22544,7 @@
             <a:r>
               <a:rPr lang="en-US" b="1" noProof="1">
                 <a:solidFill>
-                  <a:srgbClr val="8CF4F2"/>
+                  <a:schemeClr val="tx2"/>
                 </a:solidFill>
                 <a:effectLst>
                   <a:outerShdw blurRad="38100" dist="38100" dir="2700000" algn="tl">
@@ -22383,7 +22561,7 @@
             <a:r>
               <a:rPr lang="en-US" b="1" noProof="1" smtClean="0">
                 <a:solidFill>
-                  <a:srgbClr val="8CF4F2"/>
+                  <a:schemeClr val="tx2"/>
                 </a:solidFill>
                 <a:effectLst>
                   <a:outerShdw blurRad="38100" dist="38100" dir="2700000" algn="tl">
@@ -22414,7 +22592,7 @@
             <a:r>
               <a:rPr lang="en-US" b="1" noProof="1">
                 <a:solidFill>
-                  <a:srgbClr val="8CF4F2"/>
+                  <a:schemeClr val="tx2"/>
                 </a:solidFill>
                 <a:effectLst>
                   <a:outerShdw blurRad="38100" dist="38100" dir="2700000" algn="tl">
@@ -22431,7 +22609,7 @@
             <a:r>
               <a:rPr lang="en-US" b="1" noProof="1" smtClean="0">
                 <a:solidFill>
-                  <a:srgbClr val="8CF4F2"/>
+                  <a:schemeClr val="tx2"/>
                 </a:solidFill>
                 <a:effectLst>
                   <a:outerShdw blurRad="38100" dist="38100" dir="2700000" algn="tl">
@@ -22447,7 +22625,7 @@
             </a:r>
             <a:endParaRPr lang="en-US" b="1" noProof="1">
               <a:solidFill>
-                <a:srgbClr val="8CF4F2"/>
+                <a:schemeClr val="tx2"/>
               </a:solidFill>
               <a:effectLst>
                 <a:outerShdw blurRad="38100" dist="38100" dir="2700000" algn="tl">
@@ -22476,7 +22654,7 @@
             <a:r>
               <a:rPr lang="en-US" b="1" noProof="1" smtClean="0">
                 <a:solidFill>
-                  <a:srgbClr val="8CF4F2"/>
+                  <a:schemeClr val="tx2"/>
                 </a:solidFill>
                 <a:effectLst>
                   <a:outerShdw blurRad="38100" dist="38100" dir="2700000" algn="tl">
@@ -22507,7 +22685,7 @@
             <a:r>
               <a:rPr lang="en-US" b="1" noProof="1">
                 <a:solidFill>
-                  <a:srgbClr val="8CF4F2"/>
+                  <a:schemeClr val="tx2"/>
                 </a:solidFill>
                 <a:effectLst>
                   <a:outerShdw blurRad="38100" dist="38100" dir="2700000" algn="tl">
@@ -22524,7 +22702,7 @@
             <a:r>
               <a:rPr lang="en-US" b="1" noProof="1" smtClean="0">
                 <a:solidFill>
-                  <a:srgbClr val="8CF4F2"/>
+                  <a:schemeClr val="tx2"/>
                 </a:solidFill>
                 <a:effectLst>
                   <a:outerShdw blurRad="38100" dist="38100" dir="2700000" algn="tl">
@@ -22540,7 +22718,7 @@
             </a:r>
             <a:endParaRPr lang="en-US" b="1" noProof="1">
               <a:solidFill>
-                <a:srgbClr val="8CF4F2"/>
+                <a:schemeClr val="tx2"/>
               </a:solidFill>
               <a:effectLst>
                 <a:outerShdw blurRad="38100" dist="38100" dir="2700000" algn="tl">
@@ -22569,7 +22747,7 @@
             <a:r>
               <a:rPr lang="en-US" b="1" noProof="1" smtClean="0">
                 <a:solidFill>
-                  <a:srgbClr val="8CF4F2"/>
+                  <a:schemeClr val="tx2"/>
                 </a:solidFill>
                 <a:effectLst>
                   <a:outerShdw blurRad="38100" dist="38100" dir="2700000" algn="tl">
@@ -22586,7 +22764,7 @@
             <a:r>
               <a:rPr lang="en-US" b="1" noProof="1">
                 <a:solidFill>
-                  <a:srgbClr val="8CF4F2"/>
+                  <a:schemeClr val="tx2"/>
                 </a:solidFill>
                 <a:effectLst>
                   <a:outerShdw blurRad="38100" dist="38100" dir="2700000" algn="tl">
@@ -22617,7 +22795,7 @@
             <a:r>
               <a:rPr lang="en-US" b="1" noProof="1">
                 <a:solidFill>
-                  <a:srgbClr val="8CF4F2"/>
+                  <a:schemeClr val="tx2"/>
                 </a:solidFill>
                 <a:effectLst>
                   <a:outerShdw blurRad="38100" dist="38100" dir="2700000" algn="tl">
@@ -22648,7 +22826,7 @@
             <a:r>
               <a:rPr lang="en-US" b="1" noProof="1">
                 <a:solidFill>
-                  <a:srgbClr val="8CF4F2"/>
+                  <a:schemeClr val="tx2"/>
                 </a:solidFill>
                 <a:effectLst>
                   <a:outerShdw blurRad="38100" dist="38100" dir="2700000" algn="tl">
@@ -23475,7 +23653,7 @@
             <a:r>
               <a:rPr lang="en-US" sz="2600" b="1" noProof="1">
                 <a:solidFill>
-                  <a:srgbClr val="8CF4F2"/>
+                  <a:schemeClr val="tx2"/>
                 </a:solidFill>
                 <a:effectLst>
                   <a:outerShdw blurRad="38100" dist="38100" dir="2700000" algn="tl">
@@ -23492,7 +23670,7 @@
             <a:r>
               <a:rPr lang="en-US" sz="2600" b="1" noProof="1" smtClean="0">
                 <a:solidFill>
-                  <a:srgbClr val="8CF4F2"/>
+                  <a:schemeClr val="tx2"/>
                 </a:solidFill>
                 <a:effectLst>
                   <a:outerShdw blurRad="38100" dist="38100" dir="2700000" algn="tl">
@@ -23509,7 +23687,7 @@
             <a:r>
               <a:rPr lang="en-US" sz="2600" b="1" noProof="1">
                 <a:solidFill>
-                  <a:srgbClr val="8CF4F2"/>
+                  <a:schemeClr val="tx2"/>
                 </a:solidFill>
                 <a:effectLst>
                   <a:outerShdw blurRad="38100" dist="38100" dir="2700000" algn="tl">
@@ -23526,7 +23704,7 @@
             <a:br>
               <a:rPr lang="en-US" sz="2600" b="1" noProof="1">
                 <a:solidFill>
-                  <a:srgbClr val="8CF4F2"/>
+                  <a:schemeClr val="tx2"/>
                 </a:solidFill>
                 <a:effectLst>
                   <a:outerShdw blurRad="38100" dist="38100" dir="2700000" algn="tl">
@@ -23542,7 +23720,7 @@
             <a:r>
               <a:rPr lang="en-US" sz="2600" b="1" noProof="1">
                 <a:solidFill>
-                  <a:srgbClr val="8CF4F2"/>
+                  <a:schemeClr val="tx2"/>
                 </a:solidFill>
                 <a:effectLst>
                   <a:outerShdw blurRad="38100" dist="38100" dir="2700000" algn="tl">
@@ -23559,7 +23737,7 @@
             <a:br>
               <a:rPr lang="en-US" sz="2600" b="1" noProof="1">
                 <a:solidFill>
-                  <a:srgbClr val="8CF4F2"/>
+                  <a:schemeClr val="tx2"/>
                 </a:solidFill>
                 <a:effectLst>
                   <a:outerShdw blurRad="38100" dist="38100" dir="2700000" algn="tl">
@@ -23575,7 +23753,7 @@
             <a:r>
               <a:rPr lang="en-US" sz="2600" b="1" noProof="1">
                 <a:solidFill>
-                  <a:srgbClr val="8CF4F2"/>
+                  <a:schemeClr val="tx2"/>
                 </a:solidFill>
                 <a:effectLst>
                   <a:outerShdw blurRad="38100" dist="38100" dir="2700000" algn="tl">
@@ -23592,7 +23770,7 @@
             <a:br>
               <a:rPr lang="en-US" sz="2600" b="1" noProof="1">
                 <a:solidFill>
-                  <a:srgbClr val="8CF4F2"/>
+                  <a:schemeClr val="tx2"/>
                 </a:solidFill>
                 <a:effectLst>
                   <a:outerShdw blurRad="38100" dist="38100" dir="2700000" algn="tl">
@@ -23608,7 +23786,7 @@
             <a:r>
               <a:rPr lang="en-US" sz="2600" b="1" noProof="1">
                 <a:solidFill>
-                  <a:srgbClr val="8CF4F2"/>
+                  <a:schemeClr val="tx2"/>
                 </a:solidFill>
                 <a:effectLst>
                   <a:outerShdw blurRad="38100" dist="38100" dir="2700000" algn="tl">
@@ -24109,7 +24287,7 @@
             <a:r>
               <a:rPr lang="en-US" sz="2200" b="1" noProof="1">
                 <a:solidFill>
-                  <a:srgbClr val="8CF4F2"/>
+                  <a:schemeClr val="tx2"/>
                 </a:solidFill>
                 <a:effectLst>
                   <a:outerShdw blurRad="38100" dist="38100" dir="2700000" algn="tl">
@@ -24137,7 +24315,7 @@
             <a:r>
               <a:rPr lang="en-US" sz="2200" b="1" noProof="1">
                 <a:solidFill>
-                  <a:srgbClr val="8CF4F2"/>
+                  <a:schemeClr val="tx2"/>
                 </a:solidFill>
                 <a:effectLst>
                   <a:outerShdw blurRad="38100" dist="38100" dir="2700000" algn="tl">
@@ -24154,7 +24332,7 @@
             <a:r>
               <a:rPr lang="en-US" sz="2200" b="1" noProof="1" smtClean="0">
                 <a:solidFill>
-                  <a:srgbClr val="8CF4F2"/>
+                  <a:schemeClr val="tx2"/>
                 </a:solidFill>
                 <a:effectLst>
                   <a:outerShdw blurRad="38100" dist="38100" dir="2700000" algn="tl">
@@ -24171,7 +24349,7 @@
             <a:r>
               <a:rPr lang="en-US" sz="2200" b="1" noProof="1">
                 <a:solidFill>
-                  <a:srgbClr val="8CF4F2"/>
+                  <a:schemeClr val="tx2"/>
                 </a:solidFill>
                 <a:effectLst>
                   <a:outerShdw blurRad="38100" dist="38100" dir="2700000" algn="tl">
@@ -24199,7 +24377,7 @@
             <a:r>
               <a:rPr lang="en-US" sz="2200" b="1" noProof="1">
                 <a:solidFill>
-                  <a:srgbClr val="8CF4F2"/>
+                  <a:schemeClr val="tx2"/>
                 </a:solidFill>
                 <a:effectLst>
                   <a:outerShdw blurRad="38100" dist="38100" dir="2700000" algn="tl">
@@ -24216,7 +24394,7 @@
             <a:r>
               <a:rPr lang="en-US" sz="2200" b="1" noProof="1" smtClean="0">
                 <a:solidFill>
-                  <a:srgbClr val="8CF4F2"/>
+                  <a:schemeClr val="tx2"/>
                 </a:solidFill>
                 <a:effectLst>
                   <a:outerShdw blurRad="38100" dist="38100" dir="2700000" algn="tl">
@@ -24233,7 +24411,7 @@
             <a:r>
               <a:rPr lang="en-US" sz="2200" b="1" noProof="1">
                 <a:solidFill>
-                  <a:srgbClr val="8CF4F2"/>
+                  <a:schemeClr val="tx2"/>
                 </a:solidFill>
                 <a:effectLst>
                   <a:outerShdw blurRad="38100" dist="38100" dir="2700000" algn="tl">
@@ -24261,7 +24439,7 @@
             <a:r>
               <a:rPr lang="en-US" sz="2200" b="1" noProof="1">
                 <a:solidFill>
-                  <a:srgbClr val="8CF4F2"/>
+                  <a:schemeClr val="tx2"/>
                 </a:solidFill>
                 <a:effectLst>
                   <a:outerShdw blurRad="38100" dist="38100" dir="2700000" algn="tl">
@@ -24278,7 +24456,7 @@
             <a:r>
               <a:rPr lang="en-US" sz="2200" b="1" noProof="1" smtClean="0">
                 <a:solidFill>
-                  <a:srgbClr val="8CF4F2"/>
+                  <a:schemeClr val="tx2"/>
                 </a:solidFill>
                 <a:effectLst>
                   <a:outerShdw blurRad="38100" dist="38100" dir="2700000" algn="tl">
@@ -24295,7 +24473,7 @@
             <a:r>
               <a:rPr lang="en-US" sz="2200" b="1" noProof="1">
                 <a:solidFill>
-                  <a:srgbClr val="8CF4F2"/>
+                  <a:schemeClr val="tx2"/>
                 </a:solidFill>
                 <a:effectLst>
                   <a:outerShdw blurRad="38100" dist="38100" dir="2700000" algn="tl">
@@ -24323,7 +24501,7 @@
             <a:r>
               <a:rPr lang="en-US" sz="2200" b="1" noProof="1">
                 <a:solidFill>
-                  <a:srgbClr val="8CF4F2"/>
+                  <a:schemeClr val="tx2"/>
                 </a:solidFill>
                 <a:effectLst>
                   <a:outerShdw blurRad="38100" dist="38100" dir="2700000" algn="tl">
@@ -24351,7 +24529,7 @@
             <a:r>
               <a:rPr lang="en-US" sz="2200" b="1" noProof="1">
                 <a:solidFill>
-                  <a:srgbClr val="8CF4F2"/>
+                  <a:schemeClr val="tx2"/>
                 </a:solidFill>
                 <a:effectLst>
                   <a:outerShdw blurRad="38100" dist="38100" dir="2700000" algn="tl">
@@ -24368,7 +24546,7 @@
             <a:r>
               <a:rPr lang="en-US" sz="2200" b="1" noProof="1" smtClean="0">
                 <a:solidFill>
-                  <a:srgbClr val="8CF4F2"/>
+                  <a:schemeClr val="tx2"/>
                 </a:solidFill>
                 <a:effectLst>
                   <a:outerShdw blurRad="38100" dist="38100" dir="2700000" algn="tl">
@@ -24385,7 +24563,7 @@
             <a:r>
               <a:rPr lang="en-US" sz="2200" b="1" noProof="1">
                 <a:solidFill>
-                  <a:srgbClr val="8CF4F2"/>
+                  <a:schemeClr val="tx2"/>
                 </a:solidFill>
                 <a:effectLst>
                   <a:outerShdw blurRad="38100" dist="38100" dir="2700000" algn="tl">
@@ -24413,7 +24591,7 @@
             <a:r>
               <a:rPr lang="en-US" sz="2200" b="1" noProof="1">
                 <a:solidFill>
-                  <a:srgbClr val="8CF4F2"/>
+                  <a:schemeClr val="tx2"/>
                 </a:solidFill>
                 <a:effectLst>
                   <a:outerShdw blurRad="38100" dist="38100" dir="2700000" algn="tl">
@@ -25114,7 +25292,7 @@
             <a:r>
               <a:rPr lang="en-US" sz="2600" b="1" noProof="1">
                 <a:solidFill>
-                  <a:srgbClr val="8CF4F2"/>
+                  <a:schemeClr val="tx2"/>
                 </a:solidFill>
                 <a:effectLst>
                   <a:outerShdw blurRad="38100" dist="38100" dir="2700000" algn="tl">
@@ -25142,7 +25320,7 @@
             <a:r>
               <a:rPr lang="en-US" sz="2600" b="1" noProof="1">
                 <a:solidFill>
-                  <a:srgbClr val="8CF4F2"/>
+                  <a:schemeClr val="tx2"/>
                 </a:solidFill>
                 <a:effectLst>
                   <a:outerShdw blurRad="38100" dist="38100" dir="2700000" algn="tl">
@@ -25170,7 +25348,7 @@
             <a:r>
               <a:rPr lang="en-US" sz="2600" b="1" noProof="1">
                 <a:solidFill>
-                  <a:srgbClr val="8CF4F2"/>
+                  <a:schemeClr val="tx2"/>
                 </a:solidFill>
                 <a:effectLst>
                   <a:outerShdw blurRad="38100" dist="38100" dir="2700000" algn="tl">
@@ -25198,7 +25376,7 @@
             <a:r>
               <a:rPr lang="en-US" sz="2600" b="1" noProof="1">
                 <a:solidFill>
-                  <a:srgbClr val="8CF4F2"/>
+                  <a:schemeClr val="tx2"/>
                 </a:solidFill>
                 <a:effectLst>
                   <a:outerShdw blurRad="38100" dist="38100" dir="2700000" algn="tl">
@@ -25226,7 +25404,7 @@
             <a:r>
               <a:rPr lang="en-US" sz="2600" b="1" noProof="1">
                 <a:solidFill>
-                  <a:srgbClr val="8CF4F2"/>
+                  <a:schemeClr val="tx2"/>
                 </a:solidFill>
                 <a:effectLst>
                   <a:outerShdw blurRad="38100" dist="38100" dir="2700000" algn="tl">
@@ -25254,7 +25432,7 @@
             <a:r>
               <a:rPr lang="en-US" sz="2600" b="1" noProof="1">
                 <a:solidFill>
-                  <a:srgbClr val="8CF4F2"/>
+                  <a:schemeClr val="tx2"/>
                 </a:solidFill>
                 <a:effectLst>
                   <a:outerShdw blurRad="38100" dist="38100" dir="2700000" algn="tl">
@@ -25282,7 +25460,7 @@
             <a:r>
               <a:rPr lang="en-US" sz="2600" b="1" noProof="1">
                 <a:solidFill>
-                  <a:srgbClr val="8CF4F2"/>
+                  <a:schemeClr val="tx2"/>
                 </a:solidFill>
                 <a:effectLst>
                   <a:outerShdw blurRad="38100" dist="38100" dir="2700000" algn="tl">
@@ -25310,7 +25488,7 @@
             <a:r>
               <a:rPr lang="en-US" sz="2600" b="1" noProof="1">
                 <a:solidFill>
-                  <a:srgbClr val="8CF4F2"/>
+                  <a:schemeClr val="tx2"/>
                 </a:solidFill>
                 <a:effectLst>
                   <a:outerShdw blurRad="38100" dist="38100" dir="2700000" algn="tl">
@@ -25326,7 +25504,7 @@
             </a:r>
             <a:endParaRPr lang="bg-BG" sz="2600" b="1" noProof="1">
               <a:solidFill>
-                <a:srgbClr val="8CF4F2"/>
+                <a:schemeClr val="tx2"/>
               </a:solidFill>
               <a:effectLst>
                 <a:outerShdw blurRad="38100" dist="38100" dir="2700000" algn="tl">
@@ -25657,7 +25835,7 @@
             <a:r>
               <a:rPr lang="en-US" b="1" noProof="1">
                 <a:solidFill>
-                  <a:srgbClr val="8CF4F2"/>
+                  <a:schemeClr val="tx2"/>
                 </a:solidFill>
                 <a:effectLst>
                   <a:outerShdw blurRad="38100" dist="38100" dir="2700000" algn="tl">
@@ -25685,7 +25863,7 @@
             <a:r>
               <a:rPr lang="en-US" b="1" noProof="1" smtClean="0">
                 <a:solidFill>
-                  <a:srgbClr val="8CF4F2"/>
+                  <a:schemeClr val="tx2"/>
                 </a:solidFill>
                 <a:effectLst>
                   <a:outerShdw blurRad="38100" dist="38100" dir="2700000" algn="tl">
@@ -25702,7 +25880,7 @@
             <a:r>
               <a:rPr lang="en-US" b="1" noProof="1">
                 <a:solidFill>
-                  <a:srgbClr val="8CF4F2"/>
+                  <a:schemeClr val="tx2"/>
                 </a:solidFill>
                 <a:effectLst>
                   <a:outerShdw blurRad="38100" dist="38100" dir="2700000" algn="tl">
@@ -25730,7 +25908,7 @@
             <a:r>
               <a:rPr lang="en-US" b="1" noProof="1" smtClean="0">
                 <a:solidFill>
-                  <a:srgbClr val="8CF4F2"/>
+                  <a:schemeClr val="tx2"/>
                 </a:solidFill>
                 <a:effectLst>
                   <a:outerShdw blurRad="38100" dist="38100" dir="2700000" algn="tl">
@@ -25746,7 +25924,7 @@
             </a:r>
             <a:endParaRPr lang="en-US" b="1" noProof="1">
               <a:solidFill>
-                <a:srgbClr val="8CF4F2"/>
+                <a:schemeClr val="tx2"/>
               </a:solidFill>
               <a:effectLst>
                 <a:outerShdw blurRad="38100" dist="38100" dir="2700000" algn="tl">
@@ -25772,7 +25950,7 @@
             <a:r>
               <a:rPr lang="en-US" b="1" noProof="1">
                 <a:solidFill>
-                  <a:srgbClr val="8CF4F2"/>
+                  <a:schemeClr val="tx2"/>
                 </a:solidFill>
                 <a:effectLst>
                   <a:outerShdw blurRad="38100" dist="38100" dir="2700000" algn="tl">
@@ -25789,7 +25967,7 @@
             <a:r>
               <a:rPr lang="en-US" b="1" noProof="1" smtClean="0">
                 <a:solidFill>
-                  <a:srgbClr val="8CF4F2"/>
+                  <a:schemeClr val="tx2"/>
                 </a:solidFill>
                 <a:effectLst>
                   <a:outerShdw blurRad="38100" dist="38100" dir="2700000" algn="tl">
@@ -25806,7 +25984,7 @@
             <a:r>
               <a:rPr lang="en-US" b="1" noProof="1">
                 <a:solidFill>
-                  <a:srgbClr val="8CF4F2"/>
+                  <a:schemeClr val="tx2"/>
                 </a:solidFill>
                 <a:effectLst>
                   <a:outerShdw blurRad="38100" dist="38100" dir="2700000" algn="tl">
@@ -25834,7 +26012,7 @@
             <a:r>
               <a:rPr lang="en-US" b="1" noProof="1">
                 <a:solidFill>
-                  <a:srgbClr val="8CF4F2"/>
+                  <a:schemeClr val="tx2"/>
                 </a:solidFill>
                 <a:effectLst>
                   <a:outerShdw blurRad="38100" dist="38100" dir="2700000" algn="tl">
@@ -25862,7 +26040,7 @@
             <a:r>
               <a:rPr lang="bg-BG" b="1" noProof="1">
                 <a:solidFill>
-                  <a:srgbClr val="8CF4F2"/>
+                  <a:schemeClr val="tx2"/>
                 </a:solidFill>
                 <a:effectLst>
                   <a:outerShdw blurRad="38100" dist="38100" dir="2700000" algn="tl">
@@ -25879,7 +26057,7 @@
             <a:r>
               <a:rPr lang="en-US" b="1" noProof="1">
                 <a:solidFill>
-                  <a:srgbClr val="8CF4F2"/>
+                  <a:schemeClr val="tx2"/>
                 </a:solidFill>
                 <a:effectLst>
                   <a:outerShdw blurRad="38100" dist="38100" dir="2700000" algn="tl">
@@ -25907,7 +26085,7 @@
             <a:r>
               <a:rPr lang="bg-BG" b="1" noProof="1">
                 <a:solidFill>
-                  <a:srgbClr val="8CF4F2"/>
+                  <a:schemeClr val="tx2"/>
                 </a:solidFill>
                 <a:effectLst>
                   <a:outerShdw blurRad="38100" dist="38100" dir="2700000" algn="tl">
@@ -25924,7 +26102,7 @@
             <a:r>
               <a:rPr lang="en-US" b="1" noProof="1">
                 <a:solidFill>
-                  <a:srgbClr val="8CF4F2"/>
+                  <a:schemeClr val="tx2"/>
                 </a:solidFill>
                 <a:effectLst>
                   <a:outerShdw blurRad="38100" dist="38100" dir="2700000" algn="tl">
@@ -25952,7 +26130,7 @@
             <a:r>
               <a:rPr lang="en-US" b="1" noProof="1">
                 <a:solidFill>
-                  <a:srgbClr val="8CF4F2"/>
+                  <a:schemeClr val="tx2"/>
                 </a:solidFill>
                 <a:effectLst>
                   <a:outerShdw blurRad="38100" dist="38100" dir="2700000" algn="tl">
@@ -25980,7 +26158,7 @@
             <a:r>
               <a:rPr lang="en-US" b="1" noProof="1">
                 <a:solidFill>
-                  <a:srgbClr val="8CF4F2"/>
+                  <a:schemeClr val="tx2"/>
                 </a:solidFill>
                 <a:effectLst>
                   <a:outerShdw blurRad="38100" dist="38100" dir="2700000" algn="tl">
@@ -26397,7 +26575,7 @@
             <a:r>
               <a:rPr lang="en-US" sz="2000" b="1" noProof="1">
                 <a:solidFill>
-                  <a:srgbClr val="8CF4F2"/>
+                  <a:schemeClr val="tx2"/>
                 </a:solidFill>
                 <a:effectLst>
                   <a:outerShdw blurRad="38100" dist="38100" dir="2700000" algn="tl">
@@ -26425,7 +26603,7 @@
             <a:r>
               <a:rPr lang="en-US" sz="2000" b="1" noProof="1">
                 <a:solidFill>
-                  <a:srgbClr val="8CF4F2"/>
+                  <a:schemeClr val="tx2"/>
                 </a:solidFill>
                 <a:effectLst>
                   <a:outerShdw blurRad="38100" dist="38100" dir="2700000" algn="tl">
@@ -26453,7 +26631,7 @@
             <a:r>
               <a:rPr lang="en-US" sz="2000" b="1" noProof="1">
                 <a:solidFill>
-                  <a:srgbClr val="8CF4F2"/>
+                  <a:schemeClr val="tx2"/>
                 </a:solidFill>
                 <a:effectLst>
                   <a:outerShdw blurRad="38100" dist="38100" dir="2700000" algn="tl">
@@ -26481,7 +26659,7 @@
             <a:r>
               <a:rPr lang="en-US" sz="2000" b="1" noProof="1">
                 <a:solidFill>
-                  <a:srgbClr val="8CF4F2"/>
+                  <a:schemeClr val="tx2"/>
                 </a:solidFill>
                 <a:effectLst>
                   <a:outerShdw blurRad="38100" dist="38100" dir="2700000" algn="tl">
@@ -26512,7 +26690,7 @@
             <a:r>
               <a:rPr lang="en-US" sz="2000" b="1" noProof="1">
                 <a:solidFill>
-                  <a:srgbClr val="8CF4F2"/>
+                  <a:schemeClr val="tx2"/>
                 </a:solidFill>
                 <a:effectLst>
                   <a:outerShdw blurRad="38100" dist="38100" dir="2700000" algn="tl">
@@ -26540,7 +26718,7 @@
             <a:r>
               <a:rPr lang="en-US" sz="2000" b="1" noProof="1">
                 <a:solidFill>
-                  <a:srgbClr val="8CF4F2"/>
+                  <a:schemeClr val="tx2"/>
                 </a:solidFill>
                 <a:effectLst>
                   <a:outerShdw blurRad="38100" dist="38100" dir="2700000" algn="tl">
@@ -26568,7 +26746,7 @@
             <a:r>
               <a:rPr lang="en-US" sz="2000" b="1" noProof="1">
                 <a:solidFill>
-                  <a:srgbClr val="8CF4F2"/>
+                  <a:schemeClr val="tx2"/>
                 </a:solidFill>
                 <a:effectLst>
                   <a:outerShdw blurRad="38100" dist="38100" dir="2700000" algn="tl">
@@ -26585,7 +26763,7 @@
             <a:r>
               <a:rPr lang="en-US" sz="2000" b="1" noProof="1" smtClean="0">
                 <a:solidFill>
-                  <a:srgbClr val="8CF4F2"/>
+                  <a:schemeClr val="tx2"/>
                 </a:solidFill>
                 <a:effectLst>
                   <a:outerShdw blurRad="38100" dist="38100" dir="2700000" algn="tl">
@@ -26601,7 +26779,7 @@
             </a:r>
             <a:endParaRPr lang="en-US" sz="2000" b="1" noProof="1">
               <a:solidFill>
-                <a:srgbClr val="8CF4F2"/>
+                <a:schemeClr val="tx2"/>
               </a:solidFill>
               <a:effectLst>
                 <a:outerShdw blurRad="38100" dist="38100" dir="2700000" algn="tl">
@@ -26627,7 +26805,7 @@
             <a:r>
               <a:rPr lang="en-US" sz="2000" b="1" noProof="1">
                 <a:solidFill>
-                  <a:srgbClr val="8CF4F2"/>
+                  <a:schemeClr val="tx2"/>
                 </a:solidFill>
                 <a:effectLst>
                   <a:outerShdw blurRad="38100" dist="38100" dir="2700000" algn="tl">
@@ -26644,7 +26822,7 @@
             <a:r>
               <a:rPr lang="en-US" sz="2000" b="1" noProof="1" smtClean="0">
                 <a:solidFill>
-                  <a:srgbClr val="8CF4F2"/>
+                  <a:schemeClr val="tx2"/>
                 </a:solidFill>
                 <a:effectLst>
                   <a:outerShdw blurRad="38100" dist="38100" dir="2700000" algn="tl">
@@ -26660,7 +26838,7 @@
             </a:r>
             <a:endParaRPr lang="en-US" sz="2000" b="1" noProof="1">
               <a:solidFill>
-                <a:srgbClr val="8CF4F2"/>
+                <a:schemeClr val="tx2"/>
               </a:solidFill>
               <a:effectLst>
                 <a:outerShdw blurRad="38100" dist="38100" dir="2700000" algn="tl">
@@ -26686,7 +26864,7 @@
             <a:r>
               <a:rPr lang="en-US" sz="2000" b="1" noProof="1">
                 <a:solidFill>
-                  <a:srgbClr val="8CF4F2"/>
+                  <a:schemeClr val="tx2"/>
                 </a:solidFill>
                 <a:effectLst>
                   <a:outerShdw blurRad="38100" dist="38100" dir="2700000" algn="tl">
@@ -26717,7 +26895,7 @@
             <a:r>
               <a:rPr lang="en-US" sz="2000" b="1" noProof="1">
                 <a:solidFill>
-                  <a:srgbClr val="8CF4F2"/>
+                  <a:schemeClr val="tx2"/>
                 </a:solidFill>
                 <a:effectLst>
                   <a:outerShdw blurRad="38100" dist="38100" dir="2700000" algn="tl">
@@ -26745,7 +26923,7 @@
             <a:r>
               <a:rPr lang="en-US" sz="2000" b="1" noProof="1">
                 <a:solidFill>
-                  <a:srgbClr val="8CF4F2"/>
+                  <a:schemeClr val="tx2"/>
                 </a:solidFill>
                 <a:effectLst>
                   <a:outerShdw blurRad="38100" dist="38100" dir="2700000" algn="tl">
@@ -26773,7 +26951,7 @@
             <a:r>
               <a:rPr lang="en-US" sz="2000" b="1" noProof="1">
                 <a:solidFill>
-                  <a:srgbClr val="8CF4F2"/>
+                  <a:schemeClr val="tx2"/>
                 </a:solidFill>
                 <a:effectLst>
                   <a:outerShdw blurRad="38100" dist="38100" dir="2700000" algn="tl">
@@ -26801,7 +26979,7 @@
             <a:r>
               <a:rPr lang="en-US" sz="2000" b="1" noProof="1">
                 <a:solidFill>
-                  <a:srgbClr val="8CF4F2"/>
+                  <a:schemeClr val="tx2"/>
                 </a:solidFill>
                 <a:effectLst>
                   <a:outerShdw blurRad="38100" dist="38100" dir="2700000" algn="tl">
@@ -26832,7 +27010,7 @@
             <a:r>
               <a:rPr lang="en-US" sz="2000" b="1" noProof="1">
                 <a:solidFill>
-                  <a:srgbClr val="8CF4F2"/>
+                  <a:schemeClr val="tx2"/>
                 </a:solidFill>
                 <a:effectLst>
                   <a:outerShdw blurRad="38100" dist="38100" dir="2700000" algn="tl">
@@ -26860,7 +27038,7 @@
             <a:r>
               <a:rPr lang="en-US" sz="2000" b="1" noProof="1">
                 <a:solidFill>
-                  <a:srgbClr val="8CF4F2"/>
+                  <a:schemeClr val="tx2"/>
                 </a:solidFill>
                 <a:effectLst>
                   <a:outerShdw blurRad="38100" dist="38100" dir="2700000" algn="tl">
@@ -26891,7 +27069,7 @@
             <a:r>
               <a:rPr lang="en-US" sz="2000" b="1" noProof="1">
                 <a:solidFill>
-                  <a:srgbClr val="8CF4F2"/>
+                  <a:schemeClr val="tx2"/>
                 </a:solidFill>
                 <a:effectLst>
                   <a:outerShdw blurRad="38100" dist="38100" dir="2700000" algn="tl">
@@ -26919,7 +27097,7 @@
             <a:r>
               <a:rPr lang="en-US" sz="2000" b="1" noProof="1">
                 <a:solidFill>
-                  <a:srgbClr val="8CF4F2"/>
+                  <a:schemeClr val="tx2"/>
                 </a:solidFill>
                 <a:effectLst>
                   <a:outerShdw blurRad="38100" dist="38100" dir="2700000" algn="tl">
@@ -26947,7 +27125,7 @@
             <a:r>
               <a:rPr lang="en-US" sz="2000" b="1" noProof="1" smtClean="0">
                 <a:solidFill>
-                  <a:srgbClr val="8CF4F2"/>
+                  <a:schemeClr val="tx2"/>
                 </a:solidFill>
                 <a:effectLst>
                   <a:outerShdw blurRad="38100" dist="38100" dir="2700000" algn="tl">
@@ -26964,7 +27142,7 @@
             <a:r>
               <a:rPr lang="en-US" sz="2000" b="1" noProof="1">
                 <a:solidFill>
-                  <a:srgbClr val="8CF4F2"/>
+                  <a:schemeClr val="tx2"/>
                 </a:solidFill>
                 <a:effectLst>
                   <a:outerShdw blurRad="38100" dist="38100" dir="2700000" algn="tl">
@@ -26995,7 +27173,7 @@
             <a:r>
               <a:rPr lang="en-US" sz="2000" b="1" noProof="1" smtClean="0">
                 <a:solidFill>
-                  <a:srgbClr val="8CF4F2"/>
+                  <a:schemeClr val="tx2"/>
                 </a:solidFill>
                 <a:effectLst>
                   <a:outerShdw blurRad="38100" dist="38100" dir="2700000" algn="tl">
@@ -27011,7 +27189,7 @@
             </a:r>
             <a:endParaRPr lang="en-US" sz="2000" b="1" noProof="1">
               <a:solidFill>
-                <a:srgbClr val="8CF4F2"/>
+                <a:schemeClr val="tx2"/>
               </a:solidFill>
               <a:effectLst>
                 <a:outerShdw blurRad="38100" dist="38100" dir="2700000" algn="tl">
@@ -27772,7 +27950,7 @@
             <a:r>
               <a:rPr lang="en-US" sz="2200" b="1" noProof="1">
                 <a:solidFill>
-                  <a:srgbClr val="8CF4F2"/>
+                  <a:schemeClr val="tx2"/>
                 </a:solidFill>
                 <a:effectLst>
                   <a:outerShdw blurRad="38100" dist="38100" dir="2700000" algn="tl">
@@ -27800,7 +27978,7 @@
             <a:r>
               <a:rPr lang="en-US" sz="2200" b="1" noProof="1">
                 <a:solidFill>
-                  <a:srgbClr val="8CF4F2"/>
+                  <a:schemeClr val="tx2"/>
                 </a:solidFill>
                 <a:effectLst>
                   <a:outerShdw blurRad="38100" dist="38100" dir="2700000" algn="tl">
@@ -27828,7 +28006,7 @@
             <a:r>
               <a:rPr lang="en-US" sz="2200" b="1" noProof="1">
                 <a:solidFill>
-                  <a:srgbClr val="8CF4F2"/>
+                  <a:schemeClr val="tx2"/>
                 </a:solidFill>
                 <a:effectLst>
                   <a:outerShdw blurRad="38100" dist="38100" dir="2700000" algn="tl">
@@ -27845,7 +28023,7 @@
             <a:br>
               <a:rPr lang="en-US" sz="2200" b="1" noProof="1">
                 <a:solidFill>
-                  <a:srgbClr val="8CF4F2"/>
+                  <a:schemeClr val="tx2"/>
                 </a:solidFill>
                 <a:effectLst>
                   <a:outerShdw blurRad="38100" dist="38100" dir="2700000" algn="tl">
@@ -27861,7 +28039,7 @@
             <a:r>
               <a:rPr lang="en-US" sz="2200" b="1" noProof="1">
                 <a:solidFill>
-                  <a:srgbClr val="8CF4F2"/>
+                  <a:schemeClr val="tx2"/>
                 </a:solidFill>
                 <a:effectLst>
                   <a:outerShdw blurRad="38100" dist="38100" dir="2700000" algn="tl">
@@ -27889,7 +28067,7 @@
             <a:r>
               <a:rPr lang="en-US" sz="2200" b="1" noProof="1">
                 <a:solidFill>
-                  <a:srgbClr val="8CF4F2"/>
+                  <a:schemeClr val="tx2"/>
                 </a:solidFill>
                 <a:effectLst>
                   <a:outerShdw blurRad="38100" dist="38100" dir="2700000" algn="tl">
@@ -27906,7 +28084,7 @@
             <a:br>
               <a:rPr lang="en-US" sz="2200" b="1" noProof="1">
                 <a:solidFill>
-                  <a:srgbClr val="8CF4F2"/>
+                  <a:schemeClr val="tx2"/>
                 </a:solidFill>
                 <a:effectLst>
                   <a:outerShdw blurRad="38100" dist="38100" dir="2700000" algn="tl">
@@ -27922,7 +28100,7 @@
             <a:r>
               <a:rPr lang="en-US" sz="2200" b="1" noProof="1">
                 <a:solidFill>
-                  <a:srgbClr val="8CF4F2"/>
+                  <a:schemeClr val="tx2"/>
                 </a:solidFill>
                 <a:effectLst>
                   <a:outerShdw blurRad="38100" dist="38100" dir="2700000" algn="tl">
@@ -27950,7 +28128,7 @@
             <a:r>
               <a:rPr lang="en-US" sz="2200" b="1" noProof="1">
                 <a:solidFill>
-                  <a:srgbClr val="8CF4F2"/>
+                  <a:schemeClr val="tx2"/>
                 </a:solidFill>
                 <a:effectLst>
                   <a:outerShdw blurRad="38100" dist="38100" dir="2700000" algn="tl">
@@ -27967,7 +28145,7 @@
             <a:br>
               <a:rPr lang="en-US" sz="2200" b="1" noProof="1">
                 <a:solidFill>
-                  <a:srgbClr val="8CF4F2"/>
+                  <a:schemeClr val="tx2"/>
                 </a:solidFill>
                 <a:effectLst>
                   <a:outerShdw blurRad="38100" dist="38100" dir="2700000" algn="tl">
@@ -27983,7 +28161,7 @@
             <a:r>
               <a:rPr lang="en-US" sz="2200" b="1" noProof="1">
                 <a:solidFill>
-                  <a:srgbClr val="8CF4F2"/>
+                  <a:schemeClr val="tx2"/>
                 </a:solidFill>
                 <a:effectLst>
                   <a:outerShdw blurRad="38100" dist="38100" dir="2700000" algn="tl">
@@ -28011,7 +28189,7 @@
             <a:r>
               <a:rPr lang="en-US" sz="2200" b="1" noProof="1">
                 <a:solidFill>
-                  <a:srgbClr val="8CF4F2"/>
+                  <a:schemeClr val="tx2"/>
                 </a:solidFill>
                 <a:effectLst>
                   <a:outerShdw blurRad="38100" dist="38100" dir="2700000" algn="tl">
@@ -28028,7 +28206,7 @@
             <a:br>
               <a:rPr lang="en-US" sz="2200" b="1" noProof="1">
                 <a:solidFill>
-                  <a:srgbClr val="8CF4F2"/>
+                  <a:schemeClr val="tx2"/>
                 </a:solidFill>
                 <a:effectLst>
                   <a:outerShdw blurRad="38100" dist="38100" dir="2700000" algn="tl">
@@ -28044,7 +28222,7 @@
             <a:r>
               <a:rPr lang="en-US" sz="2200" b="1" noProof="1">
                 <a:solidFill>
-                  <a:srgbClr val="8CF4F2"/>
+                  <a:schemeClr val="tx2"/>
                 </a:solidFill>
                 <a:effectLst>
                   <a:outerShdw blurRad="38100" dist="38100" dir="2700000" algn="tl">
@@ -28072,7 +28250,7 @@
             <a:r>
               <a:rPr lang="en-US" sz="2200" b="1" noProof="1">
                 <a:solidFill>
-                  <a:srgbClr val="8CF4F2"/>
+                  <a:schemeClr val="tx2"/>
                 </a:solidFill>
                 <a:effectLst>
                   <a:outerShdw blurRad="38100" dist="38100" dir="2700000" algn="tl">
@@ -28089,7 +28267,7 @@
             <a:br>
               <a:rPr lang="en-US" sz="2200" b="1" noProof="1">
                 <a:solidFill>
-                  <a:srgbClr val="8CF4F2"/>
+                  <a:schemeClr val="tx2"/>
                 </a:solidFill>
                 <a:effectLst>
                   <a:outerShdw blurRad="38100" dist="38100" dir="2700000" algn="tl">
@@ -28105,7 +28283,7 @@
             <a:r>
               <a:rPr lang="en-US" sz="2200" b="1" noProof="1">
                 <a:solidFill>
-                  <a:srgbClr val="8CF4F2"/>
+                  <a:schemeClr val="tx2"/>
                 </a:solidFill>
                 <a:effectLst>
                   <a:outerShdw blurRad="38100" dist="38100" dir="2700000" algn="tl">
@@ -28133,7 +28311,7 @@
             <a:r>
               <a:rPr lang="en-US" sz="2200" b="1" noProof="1">
                 <a:solidFill>
-                  <a:srgbClr val="8CF4F2"/>
+                  <a:schemeClr val="tx2"/>
                 </a:solidFill>
                 <a:effectLst>
                   <a:outerShdw blurRad="38100" dist="38100" dir="2700000" algn="tl">
@@ -28161,7 +28339,7 @@
             <a:r>
               <a:rPr lang="en-US" sz="2200" b="1" noProof="1">
                 <a:solidFill>
-                  <a:srgbClr val="8CF4F2"/>
+                  <a:schemeClr val="tx2"/>
                 </a:solidFill>
                 <a:effectLst>
                   <a:outerShdw blurRad="38100" dist="38100" dir="2700000" algn="tl">
@@ -28178,7 +28356,7 @@
             <a:br>
               <a:rPr lang="en-US" sz="2200" b="1" noProof="1">
                 <a:solidFill>
-                  <a:srgbClr val="8CF4F2"/>
+                  <a:schemeClr val="tx2"/>
                 </a:solidFill>
                 <a:effectLst>
                   <a:outerShdw blurRad="38100" dist="38100" dir="2700000" algn="tl">
@@ -28194,7 +28372,7 @@
             <a:r>
               <a:rPr lang="en-US" sz="2200" b="1" noProof="1">
                 <a:solidFill>
-                  <a:srgbClr val="8CF4F2"/>
+                  <a:schemeClr val="tx2"/>
                 </a:solidFill>
                 <a:effectLst>
                   <a:outerShdw blurRad="38100" dist="38100" dir="2700000" algn="tl">
@@ -29141,7 +29319,7 @@
             <a:r>
               <a:rPr lang="en-US" sz="2600" b="1" noProof="1">
                 <a:solidFill>
-                  <a:srgbClr val="8CF4F2"/>
+                  <a:schemeClr val="tx2"/>
                 </a:solidFill>
                 <a:effectLst>
                   <a:outerShdw blurRad="38100" dist="38100" dir="2700000" algn="tl">
@@ -29169,7 +29347,7 @@
             <a:r>
               <a:rPr lang="en-US" sz="2600" b="1" noProof="1">
                 <a:solidFill>
-                  <a:srgbClr val="8CF4F2"/>
+                  <a:schemeClr val="tx2"/>
                 </a:solidFill>
                 <a:effectLst>
                   <a:outerShdw blurRad="38100" dist="38100" dir="2700000" algn="tl">
@@ -29197,7 +29375,7 @@
             <a:r>
               <a:rPr lang="en-US" sz="2600" b="1" noProof="1">
                 <a:solidFill>
-                  <a:srgbClr val="8CF4F2"/>
+                  <a:schemeClr val="tx2"/>
                 </a:solidFill>
                 <a:effectLst>
                   <a:outerShdw blurRad="38100" dist="38100" dir="2700000" algn="tl">
@@ -29225,7 +29403,7 @@
             <a:r>
               <a:rPr lang="en-US" sz="2600" b="1" noProof="1">
                 <a:solidFill>
-                  <a:srgbClr val="8CF4F2"/>
+                  <a:schemeClr val="tx2"/>
                 </a:solidFill>
                 <a:effectLst>
                   <a:outerShdw blurRad="38100" dist="38100" dir="2700000" algn="tl">
@@ -29694,7 +29872,7 @@
             <a:r>
               <a:rPr lang="en-US" sz="2500" b="1" noProof="1">
                 <a:solidFill>
-                  <a:srgbClr val="8CF4F2"/>
+                  <a:schemeClr val="tx2"/>
                 </a:solidFill>
                 <a:effectLst>
                   <a:outerShdw blurRad="38100" dist="38100" dir="2700000" algn="tl">
@@ -29725,7 +29903,7 @@
             <a:r>
               <a:rPr lang="en-US" sz="2500" b="1" noProof="1">
                 <a:solidFill>
-                  <a:srgbClr val="8CF4F2"/>
+                  <a:schemeClr val="tx2"/>
                 </a:solidFill>
                 <a:effectLst>
                   <a:outerShdw blurRad="38100" dist="38100" dir="2700000" algn="tl">
@@ -29756,7 +29934,7 @@
             <a:r>
               <a:rPr lang="en-US" sz="2500" b="1" noProof="1">
                 <a:solidFill>
-                  <a:srgbClr val="8CF4F2"/>
+                  <a:schemeClr val="tx2"/>
                 </a:solidFill>
                 <a:effectLst>
                   <a:outerShdw blurRad="38100" dist="38100" dir="2700000" algn="tl">
@@ -29773,7 +29951,7 @@
             <a:r>
               <a:rPr lang="en-US" sz="2500" b="1" noProof="1" smtClean="0">
                 <a:solidFill>
-                  <a:srgbClr val="8CF4F2"/>
+                  <a:schemeClr val="tx2"/>
                 </a:solidFill>
                 <a:effectLst>
                   <a:outerShdw blurRad="38100" dist="38100" dir="2700000" algn="tl">
@@ -29790,7 +29968,7 @@
             <a:r>
               <a:rPr lang="en-US" sz="2500" b="1" noProof="1">
                 <a:solidFill>
-                  <a:srgbClr val="8CF4F2"/>
+                  <a:schemeClr val="tx2"/>
                 </a:solidFill>
                 <a:effectLst>
                   <a:outerShdw blurRad="38100" dist="38100" dir="2700000" algn="tl">
@@ -29821,7 +29999,7 @@
             <a:r>
               <a:rPr lang="en-US" sz="2500" b="1" noProof="1">
                 <a:solidFill>
-                  <a:srgbClr val="8CF4F2"/>
+                  <a:schemeClr val="tx2"/>
                 </a:solidFill>
                 <a:effectLst>
                   <a:outerShdw blurRad="38100" dist="38100" dir="2700000" algn="tl">
@@ -29852,7 +30030,7 @@
             <a:r>
               <a:rPr lang="en-US" sz="2500" b="1" noProof="1">
                 <a:solidFill>
-                  <a:srgbClr val="8CF4F2"/>
+                  <a:schemeClr val="tx2"/>
                 </a:solidFill>
                 <a:effectLst>
                   <a:outerShdw blurRad="38100" dist="38100" dir="2700000" algn="tl">
@@ -29883,7 +30061,7 @@
             <a:r>
               <a:rPr lang="en-US" sz="2500" b="1" noProof="1">
                 <a:solidFill>
-                  <a:srgbClr val="8CF4F2"/>
+                  <a:schemeClr val="tx2"/>
                 </a:solidFill>
                 <a:effectLst>
                   <a:outerShdw blurRad="38100" dist="38100" dir="2700000" algn="tl">
@@ -29914,7 +30092,7 @@
             <a:r>
               <a:rPr lang="en-US" sz="2500" b="1" noProof="1">
                 <a:solidFill>
-                  <a:srgbClr val="8CF4F2"/>
+                  <a:schemeClr val="tx2"/>
                 </a:solidFill>
                 <a:effectLst>
                   <a:outerShdw blurRad="38100" dist="38100" dir="2700000" algn="tl">
@@ -29945,7 +30123,7 @@
             <a:r>
               <a:rPr lang="en-US" sz="2500" b="1" noProof="1">
                 <a:solidFill>
-                  <a:srgbClr val="8CF4F2"/>
+                  <a:schemeClr val="tx2"/>
                 </a:solidFill>
                 <a:effectLst>
                   <a:outerShdw blurRad="38100" dist="38100" dir="2700000" algn="tl">
@@ -29962,7 +30140,7 @@
             <a:r>
               <a:rPr lang="en-US" sz="2500" b="1" noProof="1" smtClean="0">
                 <a:solidFill>
-                  <a:srgbClr val="8CF4F2"/>
+                  <a:schemeClr val="tx2"/>
                 </a:solidFill>
                 <a:effectLst>
                   <a:outerShdw blurRad="38100" dist="38100" dir="2700000" algn="tl">
@@ -29979,7 +30157,7 @@
             <a:r>
               <a:rPr lang="en-US" sz="2500" b="1" noProof="1">
                 <a:solidFill>
-                  <a:srgbClr val="8CF4F2"/>
+                  <a:schemeClr val="tx2"/>
                 </a:solidFill>
                 <a:effectLst>
                   <a:outerShdw blurRad="38100" dist="38100" dir="2700000" algn="tl">
@@ -30010,7 +30188,7 @@
             <a:r>
               <a:rPr lang="en-US" sz="2500" b="1" noProof="1">
                 <a:solidFill>
-                  <a:srgbClr val="8CF4F2"/>
+                  <a:schemeClr val="tx2"/>
                 </a:solidFill>
                 <a:effectLst>
                   <a:outerShdw blurRad="38100" dist="38100" dir="2700000" algn="tl">
@@ -30503,7 +30681,7 @@
             <a:r>
               <a:rPr lang="en-US" b="1" noProof="1">
                 <a:solidFill>
-                  <a:srgbClr val="8CF4F2"/>
+                  <a:schemeClr val="tx2"/>
                 </a:solidFill>
                 <a:effectLst>
                   <a:outerShdw blurRad="38100" dist="38100" dir="2700000" algn="tl">
@@ -30531,7 +30709,7 @@
             <a:r>
               <a:rPr lang="en-US" b="1" noProof="1">
                 <a:solidFill>
-                  <a:srgbClr val="8CF4F2"/>
+                  <a:schemeClr val="tx2"/>
                 </a:solidFill>
                 <a:effectLst>
                   <a:outerShdw blurRad="38100" dist="38100" dir="2700000" algn="tl">
@@ -30559,7 +30737,7 @@
             <a:r>
               <a:rPr lang="en-US" b="1" noProof="1">
                 <a:solidFill>
-                  <a:srgbClr val="8CF4F2"/>
+                  <a:schemeClr val="tx2"/>
                 </a:solidFill>
                 <a:effectLst>
                   <a:outerShdw blurRad="38100" dist="38100" dir="2700000" algn="tl">
@@ -30587,7 +30765,7 @@
             <a:r>
               <a:rPr lang="en-US" b="1" noProof="1">
                 <a:solidFill>
-                  <a:srgbClr val="8CF4F2"/>
+                  <a:schemeClr val="tx2"/>
                 </a:solidFill>
                 <a:effectLst>
                   <a:outerShdw blurRad="38100" dist="38100" dir="2700000" algn="tl">
@@ -30615,7 +30793,7 @@
             <a:r>
               <a:rPr lang="en-US" b="1" noProof="1">
                 <a:solidFill>
-                  <a:srgbClr val="8CF4F2"/>
+                  <a:schemeClr val="tx2"/>
                 </a:solidFill>
                 <a:effectLst>
                   <a:outerShdw blurRad="38100" dist="38100" dir="2700000" algn="tl">
@@ -30643,7 +30821,7 @@
             <a:r>
               <a:rPr lang="en-US" b="1" noProof="1">
                 <a:solidFill>
-                  <a:srgbClr val="8CF4F2"/>
+                  <a:schemeClr val="tx2"/>
                 </a:solidFill>
                 <a:effectLst>
                   <a:outerShdw blurRad="38100" dist="38100" dir="2700000" algn="tl">
@@ -30671,7 +30849,7 @@
             <a:r>
               <a:rPr lang="en-US" b="1" noProof="1">
                 <a:solidFill>
-                  <a:srgbClr val="8CF4F2"/>
+                  <a:schemeClr val="tx2"/>
                 </a:solidFill>
                 <a:effectLst>
                   <a:outerShdw blurRad="38100" dist="38100" dir="2700000" algn="tl">
@@ -30699,7 +30877,7 @@
             <a:r>
               <a:rPr lang="en-US" b="1" noProof="1">
                 <a:solidFill>
-                  <a:srgbClr val="8CF4F2"/>
+                  <a:schemeClr val="tx2"/>
                 </a:solidFill>
                 <a:effectLst>
                   <a:outerShdw blurRad="38100" dist="38100" dir="2700000" algn="tl">
@@ -30727,7 +30905,7 @@
             <a:r>
               <a:rPr lang="en-US" b="1" noProof="1">
                 <a:solidFill>
-                  <a:srgbClr val="8CF4F2"/>
+                  <a:schemeClr val="tx2"/>
                 </a:solidFill>
                 <a:effectLst>
                   <a:outerShdw blurRad="38100" dist="38100" dir="2700000" algn="tl">
@@ -30755,7 +30933,7 @@
             <a:r>
               <a:rPr lang="en-US" b="1" noProof="1">
                 <a:solidFill>
-                  <a:srgbClr val="8CF4F2"/>
+                  <a:schemeClr val="tx2"/>
                 </a:solidFill>
                 <a:effectLst>
                   <a:outerShdw blurRad="38100" dist="38100" dir="2700000" algn="tl">
@@ -30783,7 +30961,7 @@
             <a:r>
               <a:rPr lang="en-US" b="1" noProof="1">
                 <a:solidFill>
-                  <a:srgbClr val="8CF4F2"/>
+                  <a:schemeClr val="tx2"/>
                 </a:solidFill>
                 <a:effectLst>
                   <a:outerShdw blurRad="38100" dist="38100" dir="2700000" algn="tl">
@@ -30811,7 +30989,7 @@
             <a:r>
               <a:rPr lang="en-US" b="1" noProof="1">
                 <a:solidFill>
-                  <a:srgbClr val="8CF4F2"/>
+                  <a:schemeClr val="tx2"/>
                 </a:solidFill>
                 <a:effectLst>
                   <a:outerShdw blurRad="38100" dist="38100" dir="2700000" algn="tl">
@@ -32048,6 +32226,275 @@
 </file>
 
 <file path=ppt/slides/slide58.xml><?xml version="1.0" encoding="utf-8"?>
+<p:sld xmlns:a="http://schemas.openxmlformats.org/drawingml/2006/main" xmlns:r="http://schemas.openxmlformats.org/officeDocument/2006/relationships" xmlns:p="http://schemas.openxmlformats.org/presentationml/2006/main">
+  <p:cSld>
+    <p:spTree>
+      <p:nvGrpSpPr>
+        <p:cNvPr id="1" name=""/>
+        <p:cNvGrpSpPr/>
+        <p:nvPr/>
+      </p:nvGrpSpPr>
+      <p:grpSpPr>
+        <a:xfrm>
+          <a:off x="0" y="0"/>
+          <a:ext cx="0" cy="0"/>
+          <a:chOff x="0" y="0"/>
+          <a:chExt cx="0" cy="0"/>
+        </a:xfrm>
+      </p:grpSpPr>
+      <p:sp>
+        <p:nvSpPr>
+          <p:cNvPr id="444418" name="Rectangle 2"/>
+          <p:cNvSpPr>
+            <a:spLocks noGrp="1" noChangeArrowheads="1"/>
+          </p:cNvSpPr>
+          <p:nvPr>
+            <p:ph type="title"/>
+          </p:nvPr>
+        </p:nvSpPr>
+        <p:spPr/>
+        <p:txBody>
+          <a:bodyPr>
+            <a:normAutofit/>
+          </a:bodyPr>
+          <a:lstStyle/>
+          <a:p>
+            <a:r>
+              <a:rPr lang="en-US" dirty="0" smtClean="0"/>
+              <a:t>SoftUni Diamond Partners</a:t>
+            </a:r>
+            <a:endParaRPr lang="bg-BG" dirty="0"/>
+          </a:p>
+        </p:txBody>
+      </p:sp>
+      <p:pic>
+        <p:nvPicPr>
+          <p:cNvPr id="1027" name="Picture 3">
+            <a:hlinkClick r:id="rId3"/>
+          </p:cNvPr>
+          <p:cNvPicPr>
+            <a:picLocks noChangeAspect="1" noChangeArrowheads="1"/>
+          </p:cNvPicPr>
+          <p:nvPr/>
+        </p:nvPicPr>
+        <p:blipFill>
+          <a:blip r:embed="rId4">
+            <a:extLst>
+              <a:ext uri="{28A0092B-C50C-407E-A947-70E740481C1C}">
+                <a14:useLocalDpi xmlns:a14="http://schemas.microsoft.com/office/drawing/2010/main" val="0"/>
+              </a:ext>
+            </a:extLst>
+          </a:blip>
+          <a:srcRect/>
+          <a:stretch>
+            <a:fillRect/>
+          </a:stretch>
+        </p:blipFill>
+        <p:spPr bwMode="auto">
+          <a:xfrm>
+            <a:off x="8229033" y="1427074"/>
+            <a:ext cx="3473178" cy="1236650"/>
+          </a:xfrm>
+          <a:prstGeom prst="rect">
+            <a:avLst/>
+          </a:prstGeom>
+          <a:noFill/>
+          <a:extLst>
+            <a:ext uri="{909E8E84-426E-40DD-AFC4-6F175D3DCCD1}">
+              <a14:hiddenFill xmlns:a14="http://schemas.microsoft.com/office/drawing/2010/main">
+                <a:solidFill>
+                  <a:srgbClr val="FFFFFF"/>
+                </a:solidFill>
+              </a14:hiddenFill>
+            </a:ext>
+          </a:extLst>
+        </p:spPr>
+      </p:pic>
+      <p:pic>
+        <p:nvPicPr>
+          <p:cNvPr id="3" name="Picture 2">
+            <a:hlinkClick r:id="rId5"/>
+          </p:cNvPr>
+          <p:cNvPicPr>
+            <a:picLocks noChangeAspect="1"/>
+          </p:cNvPicPr>
+          <p:nvPr/>
+        </p:nvPicPr>
+        <p:blipFill>
+          <a:blip r:embed="rId6"/>
+          <a:stretch>
+            <a:fillRect/>
+          </a:stretch>
+        </p:blipFill>
+        <p:spPr>
+          <a:xfrm>
+            <a:off x="531811" y="1427088"/>
+            <a:ext cx="2695672" cy="1236975"/>
+          </a:xfrm>
+          <a:prstGeom prst="rect">
+            <a:avLst/>
+          </a:prstGeom>
+        </p:spPr>
+      </p:pic>
+      <p:pic>
+        <p:nvPicPr>
+          <p:cNvPr id="4" name="Picture 3">
+            <a:hlinkClick r:id="rId7"/>
+          </p:cNvPr>
+          <p:cNvPicPr>
+            <a:picLocks noChangeAspect="1"/>
+          </p:cNvPicPr>
+          <p:nvPr/>
+        </p:nvPicPr>
+        <p:blipFill>
+          <a:blip r:embed="rId8"/>
+          <a:stretch>
+            <a:fillRect/>
+          </a:stretch>
+        </p:blipFill>
+        <p:spPr>
+          <a:xfrm>
+            <a:off x="3858904" y="1427074"/>
+            <a:ext cx="3738707" cy="1236650"/>
+          </a:xfrm>
+          <a:prstGeom prst="rect">
+            <a:avLst/>
+          </a:prstGeom>
+        </p:spPr>
+      </p:pic>
+      <p:pic>
+        <p:nvPicPr>
+          <p:cNvPr id="5" name="Picture 4">
+            <a:hlinkClick r:id="rId9"/>
+          </p:cNvPr>
+          <p:cNvPicPr>
+            <a:picLocks noChangeAspect="1"/>
+          </p:cNvPicPr>
+          <p:nvPr/>
+        </p:nvPicPr>
+        <p:blipFill>
+          <a:blip r:embed="rId10"/>
+          <a:stretch>
+            <a:fillRect/>
+          </a:stretch>
+        </p:blipFill>
+        <p:spPr>
+          <a:xfrm>
+            <a:off x="531811" y="3250872"/>
+            <a:ext cx="2895601" cy="1140691"/>
+          </a:xfrm>
+          <a:prstGeom prst="rect">
+            <a:avLst/>
+          </a:prstGeom>
+        </p:spPr>
+      </p:pic>
+      <p:pic>
+        <p:nvPicPr>
+          <p:cNvPr id="6" name="Picture 5">
+            <a:hlinkClick r:id="rId11"/>
+          </p:cNvPr>
+          <p:cNvPicPr>
+            <a:picLocks noChangeAspect="1"/>
+          </p:cNvPicPr>
+          <p:nvPr/>
+        </p:nvPicPr>
+        <p:blipFill>
+          <a:blip r:embed="rId12"/>
+          <a:stretch>
+            <a:fillRect/>
+          </a:stretch>
+        </p:blipFill>
+        <p:spPr>
+          <a:xfrm>
+            <a:off x="3828589" y="3250871"/>
+            <a:ext cx="2970677" cy="1140691"/>
+          </a:xfrm>
+          <a:prstGeom prst="rect">
+            <a:avLst/>
+          </a:prstGeom>
+        </p:spPr>
+      </p:pic>
+      <p:pic>
+        <p:nvPicPr>
+          <p:cNvPr id="7" name="Picture 6">
+            <a:hlinkClick r:id="rId13"/>
+          </p:cNvPr>
+          <p:cNvPicPr>
+            <a:picLocks noChangeAspect="1"/>
+          </p:cNvPicPr>
+          <p:nvPr/>
+        </p:nvPicPr>
+        <p:blipFill>
+          <a:blip r:embed="rId14"/>
+          <a:stretch>
+            <a:fillRect/>
+          </a:stretch>
+        </p:blipFill>
+        <p:spPr>
+          <a:xfrm>
+            <a:off x="7200444" y="3250875"/>
+            <a:ext cx="4501767" cy="1140691"/>
+          </a:xfrm>
+          <a:prstGeom prst="rect">
+            <a:avLst/>
+          </a:prstGeom>
+        </p:spPr>
+      </p:pic>
+      <p:pic>
+        <p:nvPicPr>
+          <p:cNvPr id="9" name="Picture 8">
+            <a:hlinkClick r:id="rId15"/>
+          </p:cNvPr>
+          <p:cNvPicPr>
+            <a:picLocks noChangeAspect="1"/>
+          </p:cNvPicPr>
+          <p:nvPr/>
+        </p:nvPicPr>
+        <p:blipFill>
+          <a:blip r:embed="rId16"/>
+          <a:stretch>
+            <a:fillRect/>
+          </a:stretch>
+        </p:blipFill>
+        <p:spPr>
+          <a:xfrm>
+            <a:off x="531811" y="4978371"/>
+            <a:ext cx="4645555" cy="896190"/>
+          </a:xfrm>
+          <a:prstGeom prst="rect">
+            <a:avLst/>
+          </a:prstGeom>
+        </p:spPr>
+      </p:pic>
+    </p:spTree>
+    <p:extLst>
+      <p:ext uri="{BB962C8B-B14F-4D97-AF65-F5344CB8AC3E}">
+        <p14:creationId xmlns:p14="http://schemas.microsoft.com/office/powerpoint/2010/main" val="3883115336"/>
+      </p:ext>
+    </p:extLst>
+  </p:cSld>
+  <p:clrMapOvr>
+    <a:masterClrMapping/>
+  </p:clrMapOvr>
+  <mc:AlternateContent xmlns:mc="http://schemas.openxmlformats.org/markup-compatibility/2006" xmlns:p14="http://schemas.microsoft.com/office/powerpoint/2010/main">
+    <mc:Choice Requires="p14">
+      <p:transition p14:dur="0"/>
+    </mc:Choice>
+    <mc:Fallback xmlns="">
+      <p:transition/>
+    </mc:Fallback>
+  </mc:AlternateContent>
+  <p:timing>
+    <p:tnLst>
+      <p:par>
+        <p:cTn id="1" dur="indefinite" restart="never" nodeType="tmRoot"/>
+      </p:par>
+    </p:tnLst>
+  </p:timing>
+</p:sld>
+</file>
+
+<file path=ppt/slides/slide59.xml><?xml version="1.0" encoding="utf-8"?>
 <p:sld xmlns:a="http://schemas.openxmlformats.org/drawingml/2006/main" xmlns:r="http://schemas.openxmlformats.org/officeDocument/2006/relationships" xmlns:p="http://schemas.openxmlformats.org/presentationml/2006/main">
   <p:cSld>
     <p:spTree>
@@ -33416,7 +33863,7 @@
             <a:r>
               <a:rPr lang="en-US" b="1" noProof="1">
                 <a:solidFill>
-                  <a:srgbClr val="8CF4F2"/>
+                  <a:schemeClr val="tx2"/>
                 </a:solidFill>
                 <a:effectLst>
                   <a:outerShdw blurRad="38100" dist="38100" dir="2700000" algn="tl">
@@ -33444,7 +33891,7 @@
             <a:r>
               <a:rPr lang="en-US" b="1" noProof="1">
                 <a:solidFill>
-                  <a:srgbClr val="8CF4F2"/>
+                  <a:schemeClr val="tx2"/>
                 </a:solidFill>
                 <a:effectLst>
                   <a:outerShdw blurRad="38100" dist="38100" dir="2700000" algn="tl">
@@ -33472,7 +33919,7 @@
             <a:r>
               <a:rPr lang="en-US" b="1" noProof="1">
                 <a:solidFill>
-                  <a:srgbClr val="8CF4F2"/>
+                  <a:schemeClr val="tx2"/>
                 </a:solidFill>
                 <a:effectLst>
                   <a:outerShdw blurRad="38100" dist="38100" dir="2700000" algn="tl">
@@ -33500,7 +33947,7 @@
             <a:r>
               <a:rPr lang="en-US" b="1" noProof="1">
                 <a:solidFill>
-                  <a:srgbClr val="8CF4F2"/>
+                  <a:schemeClr val="tx2"/>
                 </a:solidFill>
                 <a:effectLst>
                   <a:outerShdw blurRad="38100" dist="38100" dir="2700000" algn="tl">
@@ -33528,7 +33975,7 @@
             <a:r>
               <a:rPr lang="en-US" b="1" noProof="1">
                 <a:solidFill>
-                  <a:srgbClr val="8CF4F2"/>
+                  <a:schemeClr val="tx2"/>
                 </a:solidFill>
                 <a:effectLst>
                   <a:outerShdw blurRad="38100" dist="38100" dir="2700000" algn="tl">
@@ -33556,7 +34003,7 @@
             <a:r>
               <a:rPr lang="en-US" b="1" noProof="1">
                 <a:solidFill>
-                  <a:srgbClr val="8CF4F2"/>
+                  <a:schemeClr val="tx2"/>
                 </a:solidFill>
                 <a:effectLst>
                   <a:outerShdw blurRad="38100" dist="38100" dir="2700000" algn="tl">
@@ -33911,7 +34358,7 @@
             <a:r>
               <a:rPr lang="en-US" b="1" noProof="1">
                 <a:solidFill>
-                  <a:srgbClr val="8CF4F2"/>
+                  <a:schemeClr val="tx2"/>
                 </a:solidFill>
                 <a:effectLst>
                   <a:outerShdw blurRad="38100" dist="38100" dir="2700000" algn="tl">
@@ -33939,7 +34386,7 @@
             <a:r>
               <a:rPr lang="en-US" b="1" noProof="1">
                 <a:solidFill>
-                  <a:srgbClr val="8CF4F2"/>
+                  <a:schemeClr val="tx2"/>
                 </a:solidFill>
                 <a:effectLst>
                   <a:outerShdw blurRad="38100" dist="38100" dir="2700000" algn="tl">
@@ -33967,7 +34414,7 @@
             <a:r>
               <a:rPr lang="en-US" b="1" noProof="1">
                 <a:solidFill>
-                  <a:srgbClr val="8CF4F2"/>
+                  <a:schemeClr val="tx2"/>
                 </a:solidFill>
                 <a:effectLst>
                   <a:outerShdw blurRad="38100" dist="38100" dir="2700000" algn="tl">
@@ -33995,7 +34442,7 @@
             <a:r>
               <a:rPr lang="en-US" b="1" noProof="1">
                 <a:solidFill>
-                  <a:srgbClr val="8CF4F2"/>
+                  <a:schemeClr val="tx2"/>
                 </a:solidFill>
                 <a:effectLst>
                   <a:outerShdw blurRad="38100" dist="38100" dir="2700000" algn="tl">
@@ -34023,7 +34470,7 @@
             <a:r>
               <a:rPr lang="en-US" b="1" noProof="1">
                 <a:solidFill>
-                  <a:srgbClr val="8CF4F2"/>
+                  <a:schemeClr val="tx2"/>
                 </a:solidFill>
                 <a:effectLst>
                   <a:outerShdw blurRad="38100" dist="38100" dir="2700000" algn="tl">
@@ -34051,7 +34498,7 @@
             <a:r>
               <a:rPr lang="en-US" b="1" noProof="1">
                 <a:solidFill>
-                  <a:srgbClr val="8CF4F2"/>
+                  <a:schemeClr val="tx2"/>
                 </a:solidFill>
                 <a:effectLst>
                   <a:outerShdw blurRad="38100" dist="38100" dir="2700000" algn="tl">
@@ -34079,7 +34526,7 @@
             <a:r>
               <a:rPr lang="en-US" b="1" noProof="1">
                 <a:solidFill>
-                  <a:srgbClr val="8CF4F2"/>
+                  <a:schemeClr val="tx2"/>
                 </a:solidFill>
                 <a:effectLst>
                   <a:outerShdw blurRad="38100" dist="38100" dir="2700000" algn="tl">
@@ -34107,7 +34554,7 @@
             <a:r>
               <a:rPr lang="en-US" b="1" noProof="1">
                 <a:solidFill>
-                  <a:srgbClr val="8CF4F2"/>
+                  <a:schemeClr val="tx2"/>
                 </a:solidFill>
                 <a:effectLst>
                   <a:outerShdw blurRad="38100" dist="38100" dir="2700000" algn="tl">
@@ -34135,7 +34582,7 @@
             <a:r>
               <a:rPr lang="en-US" b="1" noProof="1">
                 <a:solidFill>
-                  <a:srgbClr val="8CF4F2"/>
+                  <a:schemeClr val="tx2"/>
                 </a:solidFill>
                 <a:effectLst>
                   <a:outerShdw blurRad="38100" dist="38100" dir="2700000" algn="tl">
@@ -34163,7 +34610,7 @@
             <a:r>
               <a:rPr lang="en-US" b="1" noProof="1">
                 <a:solidFill>
-                  <a:srgbClr val="8CF4F2"/>
+                  <a:schemeClr val="tx2"/>
                 </a:solidFill>
                 <a:effectLst>
                   <a:outerShdw blurRad="38100" dist="38100" dir="2700000" algn="tl">
@@ -34191,7 +34638,7 @@
             <a:r>
               <a:rPr lang="en-US" b="1" noProof="1">
                 <a:solidFill>
-                  <a:srgbClr val="8CF4F2"/>
+                  <a:schemeClr val="tx2"/>
                 </a:solidFill>
                 <a:effectLst>
                   <a:outerShdw blurRad="38100" dist="38100" dir="2700000" algn="tl">
@@ -34219,7 +34666,7 @@
             <a:r>
               <a:rPr lang="en-US" b="1" noProof="1">
                 <a:solidFill>
-                  <a:srgbClr val="8CF4F2"/>
+                  <a:schemeClr val="tx2"/>
                 </a:solidFill>
                 <a:effectLst>
                   <a:outerShdw blurRad="38100" dist="38100" dir="2700000" algn="tl">
